--- a/Presentation_Selina.pptx
+++ b/Presentation_Selina.pptx
@@ -5,11 +5,14 @@
     <p:sldMasterId id="2147483648" r:id="rId1"/>
   </p:sldMasterIdLst>
   <p:sldIdLst>
-    <p:sldId id="266" r:id="rId2"/>
-    <p:sldId id="257" r:id="rId3"/>
-    <p:sldId id="262" r:id="rId4"/>
-    <p:sldId id="267" r:id="rId5"/>
-    <p:sldId id="265" r:id="rId6"/>
+    <p:sldId id="269" r:id="rId2"/>
+    <p:sldId id="270" r:id="rId3"/>
+    <p:sldId id="268" r:id="rId4"/>
+    <p:sldId id="257" r:id="rId5"/>
+    <p:sldId id="262" r:id="rId6"/>
+    <p:sldId id="267" r:id="rId7"/>
+    <p:sldId id="265" r:id="rId8"/>
+    <p:sldId id="271" r:id="rId9"/>
   </p:sldIdLst>
   <p:sldSz cx="12192000" cy="6858000"/>
   <p:notesSz cx="6858000" cy="9144000"/>
@@ -263,7 +266,7 @@
           <a:p>
             <a:fld id="{6411F53C-84B2-480F-9AD2-7AEE54452C41}" type="datetimeFigureOut">
               <a:rPr lang="de-DE" smtClean="0"/>
-              <a:t>09.05.2021</a:t>
+              <a:t>10.05.2021</a:t>
             </a:fld>
             <a:endParaRPr lang="de-DE"/>
           </a:p>
@@ -461,7 +464,7 @@
           <a:p>
             <a:fld id="{6411F53C-84B2-480F-9AD2-7AEE54452C41}" type="datetimeFigureOut">
               <a:rPr lang="de-DE" smtClean="0"/>
-              <a:t>09.05.2021</a:t>
+              <a:t>10.05.2021</a:t>
             </a:fld>
             <a:endParaRPr lang="de-DE"/>
           </a:p>
@@ -669,7 +672,7 @@
           <a:p>
             <a:fld id="{6411F53C-84B2-480F-9AD2-7AEE54452C41}" type="datetimeFigureOut">
               <a:rPr lang="de-DE" smtClean="0"/>
-              <a:t>09.05.2021</a:t>
+              <a:t>10.05.2021</a:t>
             </a:fld>
             <a:endParaRPr lang="de-DE"/>
           </a:p>
@@ -867,7 +870,7 @@
           <a:p>
             <a:fld id="{6411F53C-84B2-480F-9AD2-7AEE54452C41}" type="datetimeFigureOut">
               <a:rPr lang="de-DE" smtClean="0"/>
-              <a:t>09.05.2021</a:t>
+              <a:t>10.05.2021</a:t>
             </a:fld>
             <a:endParaRPr lang="de-DE"/>
           </a:p>
@@ -1142,7 +1145,7 @@
           <a:p>
             <a:fld id="{6411F53C-84B2-480F-9AD2-7AEE54452C41}" type="datetimeFigureOut">
               <a:rPr lang="de-DE" smtClean="0"/>
-              <a:t>09.05.2021</a:t>
+              <a:t>10.05.2021</a:t>
             </a:fld>
             <a:endParaRPr lang="de-DE"/>
           </a:p>
@@ -1407,7 +1410,7 @@
           <a:p>
             <a:fld id="{6411F53C-84B2-480F-9AD2-7AEE54452C41}" type="datetimeFigureOut">
               <a:rPr lang="de-DE" smtClean="0"/>
-              <a:t>09.05.2021</a:t>
+              <a:t>10.05.2021</a:t>
             </a:fld>
             <a:endParaRPr lang="de-DE"/>
           </a:p>
@@ -1819,7 +1822,7 @@
           <a:p>
             <a:fld id="{6411F53C-84B2-480F-9AD2-7AEE54452C41}" type="datetimeFigureOut">
               <a:rPr lang="de-DE" smtClean="0"/>
-              <a:t>09.05.2021</a:t>
+              <a:t>10.05.2021</a:t>
             </a:fld>
             <a:endParaRPr lang="de-DE"/>
           </a:p>
@@ -1960,7 +1963,7 @@
           <a:p>
             <a:fld id="{6411F53C-84B2-480F-9AD2-7AEE54452C41}" type="datetimeFigureOut">
               <a:rPr lang="de-DE" smtClean="0"/>
-              <a:t>09.05.2021</a:t>
+              <a:t>10.05.2021</a:t>
             </a:fld>
             <a:endParaRPr lang="de-DE"/>
           </a:p>
@@ -2073,7 +2076,7 @@
           <a:p>
             <a:fld id="{6411F53C-84B2-480F-9AD2-7AEE54452C41}" type="datetimeFigureOut">
               <a:rPr lang="de-DE" smtClean="0"/>
-              <a:t>09.05.2021</a:t>
+              <a:t>10.05.2021</a:t>
             </a:fld>
             <a:endParaRPr lang="de-DE"/>
           </a:p>
@@ -2384,7 +2387,7 @@
           <a:p>
             <a:fld id="{6411F53C-84B2-480F-9AD2-7AEE54452C41}" type="datetimeFigureOut">
               <a:rPr lang="de-DE" smtClean="0"/>
-              <a:t>09.05.2021</a:t>
+              <a:t>10.05.2021</a:t>
             </a:fld>
             <a:endParaRPr lang="de-DE"/>
           </a:p>
@@ -2672,7 +2675,7 @@
           <a:p>
             <a:fld id="{6411F53C-84B2-480F-9AD2-7AEE54452C41}" type="datetimeFigureOut">
               <a:rPr lang="de-DE" smtClean="0"/>
-              <a:t>09.05.2021</a:t>
+              <a:t>10.05.2021</a:t>
             </a:fld>
             <a:endParaRPr lang="de-DE"/>
           </a:p>
@@ -2913,7 +2916,7 @@
           <a:p>
             <a:fld id="{6411F53C-84B2-480F-9AD2-7AEE54452C41}" type="datetimeFigureOut">
               <a:rPr lang="de-DE" smtClean="0"/>
-              <a:t>09.05.2021</a:t>
+              <a:t>10.05.2021</a:t>
             </a:fld>
             <a:endParaRPr lang="de-DE"/>
           </a:p>
@@ -3387,215 +3390,7 @@
           <a:bodyPr rtlCol="0" anchor="ctr"/>
           <a:lstStyle/>
           <a:p>
-            <a:r>
-              <a:rPr lang="de-DE"/>
-              <a:t>Distribution of TRAs over specific tissues</a:t>
-            </a:r>
             <a:endParaRPr lang="de-DE" dirty="0"/>
-          </a:p>
-        </p:txBody>
-      </p:sp>
-      <p:sp>
-        <p:nvSpPr>
-          <p:cNvPr id="12" name="Textfeld 11">
-            <a:extLst>
-              <a:ext uri="{FF2B5EF4-FFF2-40B4-BE49-F238E27FC236}">
-                <a16:creationId xmlns:a16="http://schemas.microsoft.com/office/drawing/2014/main" id="{EEAC6720-FCBE-4BE2-AB6D-4C14249C9D68}"/>
-              </a:ext>
-            </a:extLst>
-          </p:cNvPr>
-          <p:cNvSpPr txBox="1"/>
-          <p:nvPr/>
-        </p:nvSpPr>
-        <p:spPr>
-          <a:xfrm>
-            <a:off x="6571896" y="284979"/>
-            <a:ext cx="4951047" cy="4093428"/>
-          </a:xfrm>
-          <a:prstGeom prst="rect">
-            <a:avLst/>
-          </a:prstGeom>
-          <a:noFill/>
-        </p:spPr>
-        <p:txBody>
-          <a:bodyPr wrap="square">
-            <a:spAutoFit/>
-          </a:bodyPr>
-          <a:lstStyle/>
-          <a:p>
-            <a:r>
-              <a:rPr lang="de-DE" sz="2000" b="1" dirty="0">
-                <a:solidFill>
-                  <a:schemeClr val="bg1"/>
-                </a:solidFill>
-              </a:rPr>
-              <a:t>Human</a:t>
-            </a:r>
-            <a:r>
-              <a:rPr lang="de-DE" sz="2000" dirty="0">
-                <a:solidFill>
-                  <a:schemeClr val="bg1"/>
-                </a:solidFill>
-              </a:rPr>
-              <a:t> TRA </a:t>
-            </a:r>
-            <a:r>
-              <a:rPr lang="de-DE" sz="2000" dirty="0" err="1">
-                <a:solidFill>
-                  <a:schemeClr val="bg1"/>
-                </a:solidFill>
-              </a:rPr>
-              <a:t>gene</a:t>
-            </a:r>
-            <a:r>
-              <a:rPr lang="de-DE" sz="2000" dirty="0">
-                <a:solidFill>
-                  <a:schemeClr val="bg1"/>
-                </a:solidFill>
-              </a:rPr>
-              <a:t> </a:t>
-            </a:r>
-            <a:r>
-              <a:rPr lang="de-DE" sz="2000" dirty="0" err="1">
-                <a:solidFill>
-                  <a:schemeClr val="bg1"/>
-                </a:solidFill>
-              </a:rPr>
-              <a:t>expression</a:t>
-            </a:r>
-            <a:endParaRPr lang="de-DE" sz="2000" dirty="0">
-              <a:solidFill>
-                <a:schemeClr val="bg1"/>
-              </a:solidFill>
-            </a:endParaRPr>
-          </a:p>
-          <a:p>
-            <a:pPr marL="342900" indent="-342900">
-              <a:buFont typeface="Arial" panose="020B0604020202020204" pitchFamily="34" charset="0"/>
-              <a:buChar char="•"/>
-            </a:pPr>
-            <a:endParaRPr lang="de-DE" sz="2000" dirty="0">
-              <a:solidFill>
-                <a:schemeClr val="bg1"/>
-              </a:solidFill>
-            </a:endParaRPr>
-          </a:p>
-          <a:p>
-            <a:endParaRPr lang="de-DE" sz="2000" dirty="0">
-              <a:solidFill>
-                <a:schemeClr val="bg1"/>
-              </a:solidFill>
-            </a:endParaRPr>
-          </a:p>
-          <a:p>
-            <a:endParaRPr lang="de-DE" sz="2000" dirty="0">
-              <a:solidFill>
-                <a:schemeClr val="bg1"/>
-              </a:solidFill>
-            </a:endParaRPr>
-          </a:p>
-          <a:p>
-            <a:endParaRPr lang="de-DE" sz="2000" dirty="0">
-              <a:solidFill>
-                <a:schemeClr val="bg1"/>
-              </a:solidFill>
-            </a:endParaRPr>
-          </a:p>
-          <a:p>
-            <a:endParaRPr lang="de-DE" sz="2000" dirty="0">
-              <a:solidFill>
-                <a:schemeClr val="bg1"/>
-              </a:solidFill>
-            </a:endParaRPr>
-          </a:p>
-          <a:p>
-            <a:endParaRPr lang="de-DE" sz="2000" dirty="0">
-              <a:solidFill>
-                <a:schemeClr val="bg1"/>
-              </a:solidFill>
-            </a:endParaRPr>
-          </a:p>
-          <a:p>
-            <a:endParaRPr lang="de-DE" sz="2000" dirty="0">
-              <a:solidFill>
-                <a:schemeClr val="bg1"/>
-              </a:solidFill>
-            </a:endParaRPr>
-          </a:p>
-          <a:p>
-            <a:endParaRPr lang="de-DE" sz="2000" dirty="0">
-              <a:solidFill>
-                <a:schemeClr val="bg1"/>
-              </a:solidFill>
-            </a:endParaRPr>
-          </a:p>
-          <a:p>
-            <a:endParaRPr lang="de-DE" sz="2000" dirty="0">
-              <a:solidFill>
-                <a:schemeClr val="bg1"/>
-              </a:solidFill>
-            </a:endParaRPr>
-          </a:p>
-          <a:p>
-            <a:endParaRPr lang="de-DE" sz="2000" dirty="0">
-              <a:solidFill>
-                <a:schemeClr val="bg1"/>
-              </a:solidFill>
-            </a:endParaRPr>
-          </a:p>
-          <a:p>
-            <a:r>
-              <a:rPr lang="de-DE" sz="2000" b="1" dirty="0">
-                <a:solidFill>
-                  <a:schemeClr val="bg1"/>
-                </a:solidFill>
-              </a:rPr>
-              <a:t>Mouse</a:t>
-            </a:r>
-            <a:r>
-              <a:rPr lang="de-DE" sz="2000" dirty="0">
-                <a:solidFill>
-                  <a:schemeClr val="bg1"/>
-                </a:solidFill>
-              </a:rPr>
-              <a:t> TRA </a:t>
-            </a:r>
-            <a:r>
-              <a:rPr lang="de-DE" sz="2000" dirty="0" err="1">
-                <a:solidFill>
-                  <a:schemeClr val="bg1"/>
-                </a:solidFill>
-              </a:rPr>
-              <a:t>gene</a:t>
-            </a:r>
-            <a:r>
-              <a:rPr lang="de-DE" sz="2000" dirty="0">
-                <a:solidFill>
-                  <a:schemeClr val="bg1"/>
-                </a:solidFill>
-              </a:rPr>
-              <a:t> </a:t>
-            </a:r>
-            <a:r>
-              <a:rPr lang="de-DE" sz="2000" dirty="0" err="1">
-                <a:solidFill>
-                  <a:schemeClr val="bg1"/>
-                </a:solidFill>
-              </a:rPr>
-              <a:t>expression</a:t>
-            </a:r>
-            <a:endParaRPr lang="de-DE" sz="2000" dirty="0">
-              <a:solidFill>
-                <a:schemeClr val="bg1"/>
-              </a:solidFill>
-            </a:endParaRPr>
-          </a:p>
-          <a:p>
-            <a:endParaRPr lang="de-DE" sz="2000" dirty="0">
-              <a:solidFill>
-                <a:schemeClr val="bg1"/>
-              </a:solidFill>
-            </a:endParaRPr>
           </a:p>
         </p:txBody>
       </p:sp>
@@ -3696,7 +3491,14 @@
           <a:p>
             <a:r>
               <a:rPr lang="en-US" sz="4800" dirty="0"/>
-              <a:t>TRAs</a:t>
+              <a:t>epidemiology</a:t>
+            </a:r>
+            <a:br>
+              <a:rPr lang="en-US" sz="4800" dirty="0"/>
+            </a:br>
+            <a:r>
+              <a:rPr lang="en-US" sz="1800" dirty="0"/>
+              <a:t>of pancreatic cancer</a:t>
             </a:r>
           </a:p>
         </p:txBody>
@@ -3768,10 +3570,10 @@
       </p:sp>
       <p:pic>
         <p:nvPicPr>
-          <p:cNvPr id="4" name="Grafik 3">
-            <a:extLst>
-              <a:ext uri="{FF2B5EF4-FFF2-40B4-BE49-F238E27FC236}">
-                <a16:creationId xmlns:a16="http://schemas.microsoft.com/office/drawing/2014/main" id="{82D23D07-79A0-4554-BDA2-2D12860CCE3A}"/>
+          <p:cNvPr id="9" name="Grafik 8">
+            <a:extLst>
+              <a:ext uri="{FF2B5EF4-FFF2-40B4-BE49-F238E27FC236}">
+                <a16:creationId xmlns:a16="http://schemas.microsoft.com/office/drawing/2014/main" id="{745C754E-8B98-46DC-A26F-A41CC5CB1366}"/>
               </a:ext>
             </a:extLst>
           </p:cNvPr>
@@ -3781,27 +3583,73 @@
           <p:nvPr/>
         </p:nvPicPr>
         <p:blipFill>
-          <a:blip r:embed="rId2"/>
+          <a:blip r:embed="rId2">
+            <a:duotone>
+              <a:schemeClr val="bg2">
+                <a:shade val="45000"/>
+                <a:satMod val="135000"/>
+              </a:schemeClr>
+              <a:prstClr val="white"/>
+            </a:duotone>
+          </a:blip>
           <a:stretch>
             <a:fillRect/>
           </a:stretch>
         </p:blipFill>
         <p:spPr>
           <a:xfrm>
-            <a:off x="6584235" y="766691"/>
-            <a:ext cx="4213794" cy="2662309"/>
+            <a:off x="9653498" y="2906060"/>
+            <a:ext cx="1835055" cy="2384974"/>
           </a:xfrm>
           <a:prstGeom prst="rect">
             <a:avLst/>
           </a:prstGeom>
         </p:spPr>
       </p:pic>
-      <p:sp>
-        <p:nvSpPr>
-          <p:cNvPr id="8" name="Ellipse 7">
-            <a:extLst>
-              <a:ext uri="{FF2B5EF4-FFF2-40B4-BE49-F238E27FC236}">
-                <a16:creationId xmlns:a16="http://schemas.microsoft.com/office/drawing/2014/main" id="{88114995-D26D-48D1-87AD-ACEE18DDE7F9}"/>
+      <p:pic>
+        <p:nvPicPr>
+          <p:cNvPr id="10" name="Grafik 9">
+            <a:extLst>
+              <a:ext uri="{FF2B5EF4-FFF2-40B4-BE49-F238E27FC236}">
+                <a16:creationId xmlns:a16="http://schemas.microsoft.com/office/drawing/2014/main" id="{F8FCF172-F419-4DB3-AB6A-1ACDB61F9FE6}"/>
+              </a:ext>
+            </a:extLst>
+          </p:cNvPr>
+          <p:cNvPicPr>
+            <a:picLocks noChangeAspect="1"/>
+          </p:cNvPicPr>
+          <p:nvPr/>
+        </p:nvPicPr>
+        <p:blipFill>
+          <a:blip r:embed="rId3">
+            <a:duotone>
+              <a:schemeClr val="bg2">
+                <a:shade val="45000"/>
+                <a:satMod val="135000"/>
+              </a:schemeClr>
+              <a:prstClr val="white"/>
+            </a:duotone>
+          </a:blip>
+          <a:stretch>
+            <a:fillRect/>
+          </a:stretch>
+        </p:blipFill>
+        <p:spPr>
+          <a:xfrm>
+            <a:off x="9271023" y="716674"/>
+            <a:ext cx="2600006" cy="1872543"/>
+          </a:xfrm>
+          <a:prstGeom prst="rect">
+            <a:avLst/>
+          </a:prstGeom>
+        </p:spPr>
+      </p:pic>
+      <p:sp>
+        <p:nvSpPr>
+          <p:cNvPr id="11" name="Pfeil: nach rechts 10">
+            <a:extLst>
+              <a:ext uri="{FF2B5EF4-FFF2-40B4-BE49-F238E27FC236}">
+                <a16:creationId xmlns:a16="http://schemas.microsoft.com/office/drawing/2014/main" id="{497AB698-BF4B-4D35-ACAB-3CB7E24AD202}"/>
               </a:ext>
             </a:extLst>
           </p:cNvPr>
@@ -3810,16 +3658,18 @@
         </p:nvSpPr>
         <p:spPr>
           <a:xfrm>
-            <a:off x="10083566" y="2387890"/>
-            <a:ext cx="872455" cy="260059"/>
+            <a:off x="3054285" y="5778631"/>
+            <a:ext cx="923826" cy="763571"/>
           </a:xfrm>
-          <a:prstGeom prst="ellipse">
+          <a:prstGeom prst="rightArrow">
             <a:avLst/>
           </a:prstGeom>
-          <a:noFill/>
+          <a:solidFill>
+            <a:srgbClr val="4E00FF"/>
+          </a:solidFill>
           <a:ln>
             <a:solidFill>
-              <a:srgbClr val="FF0000"/>
+              <a:srgbClr val="4E00FF"/>
             </a:solidFill>
           </a:ln>
         </p:spPr>
@@ -3844,16 +3694,209 @@
           <a:lstStyle/>
           <a:p>
             <a:pPr algn="ctr"/>
-            <a:endParaRPr lang="de-DE"/>
+            <a:endParaRPr lang="en-US"/>
+          </a:p>
+        </p:txBody>
+      </p:sp>
+      <p:sp>
+        <p:nvSpPr>
+          <p:cNvPr id="13" name="Textfeld 12">
+            <a:extLst>
+              <a:ext uri="{FF2B5EF4-FFF2-40B4-BE49-F238E27FC236}">
+                <a16:creationId xmlns:a16="http://schemas.microsoft.com/office/drawing/2014/main" id="{CA8899C8-1B8E-4653-B7F2-08DD862F3FDD}"/>
+              </a:ext>
+            </a:extLst>
+          </p:cNvPr>
+          <p:cNvSpPr txBox="1"/>
+          <p:nvPr/>
+        </p:nvSpPr>
+        <p:spPr>
+          <a:xfrm>
+            <a:off x="4000209" y="5929583"/>
+            <a:ext cx="7401697" cy="461665"/>
+          </a:xfrm>
+          <a:prstGeom prst="rect">
+            <a:avLst/>
+          </a:prstGeom>
+          <a:noFill/>
+        </p:spPr>
+        <p:txBody>
+          <a:bodyPr wrap="square" rtlCol="0">
+            <a:spAutoFit/>
+          </a:bodyPr>
+          <a:lstStyle/>
+          <a:p>
+            <a:pPr marL="0" marR="0" lvl="0" indent="0" algn="l" defTabSz="914400" rtl="0" eaLnBrk="1" fontAlgn="auto" latinLnBrk="0" hangingPunct="1">
+              <a:lnSpc>
+                <a:spcPct val="100000"/>
+              </a:lnSpc>
+              <a:spcBef>
+                <a:spcPts val="0"/>
+              </a:spcBef>
+              <a:spcAft>
+                <a:spcPts val="0"/>
+              </a:spcAft>
+              <a:buClrTx/>
+              <a:buSzTx/>
+              <a:buFontTx/>
+              <a:buNone/>
+              <a:tabLst/>
+              <a:defRPr/>
+            </a:pPr>
+            <a:r>
+              <a:rPr lang="en-US" sz="2000" dirty="0"/>
+              <a:t>n</a:t>
+            </a:r>
+            <a:r>
+              <a:rPr kumimoji="0" lang="de-DE" sz="2400" b="0" i="0" u="none" strike="noStrike" kern="1200" cap="none" spc="0" normalizeH="0" baseline="0" noProof="0" dirty="0">
+                <a:ln>
+                  <a:noFill/>
+                </a:ln>
+                <a:solidFill>
+                  <a:prstClr val="black"/>
+                </a:solidFill>
+                <a:effectLst/>
+                <a:uLnTx/>
+                <a:uFillTx/>
+                <a:ea typeface="+mn-ea"/>
+                <a:cs typeface="+mn-cs"/>
+              </a:rPr>
+              <a:t>New </a:t>
+            </a:r>
+            <a:r>
+              <a:rPr kumimoji="0" lang="de-DE" sz="2400" b="0" i="0" u="none" strike="noStrike" kern="1200" cap="none" spc="0" normalizeH="0" baseline="0" noProof="0" dirty="0" err="1">
+                <a:ln>
+                  <a:noFill/>
+                </a:ln>
+                <a:solidFill>
+                  <a:prstClr val="black"/>
+                </a:solidFill>
+                <a:effectLst/>
+                <a:uLnTx/>
+                <a:uFillTx/>
+                <a:ea typeface="+mn-ea"/>
+                <a:cs typeface="+mn-cs"/>
+              </a:rPr>
+              <a:t>diagnostic</a:t>
+            </a:r>
+            <a:r>
+              <a:rPr kumimoji="0" lang="de-DE" sz="2400" b="0" i="0" u="none" strike="noStrike" kern="1200" cap="none" spc="0" normalizeH="0" baseline="0" noProof="0" dirty="0">
+                <a:ln>
+                  <a:noFill/>
+                </a:ln>
+                <a:solidFill>
+                  <a:prstClr val="black"/>
+                </a:solidFill>
+                <a:effectLst/>
+                <a:uLnTx/>
+                <a:uFillTx/>
+                <a:ea typeface="+mn-ea"/>
+                <a:cs typeface="+mn-cs"/>
+              </a:rPr>
+              <a:t> and </a:t>
+            </a:r>
+            <a:r>
+              <a:rPr kumimoji="0" lang="de-DE" sz="2400" b="0" i="0" u="none" strike="noStrike" kern="1200" cap="none" spc="0" normalizeH="0" baseline="0" noProof="0" dirty="0" err="1">
+                <a:ln>
+                  <a:noFill/>
+                </a:ln>
+                <a:solidFill>
+                  <a:prstClr val="black"/>
+                </a:solidFill>
+                <a:effectLst/>
+                <a:uLnTx/>
+                <a:uFillTx/>
+                <a:ea typeface="+mn-ea"/>
+                <a:cs typeface="+mn-cs"/>
+              </a:rPr>
+              <a:t>treatment</a:t>
+            </a:r>
+            <a:r>
+              <a:rPr kumimoji="0" lang="de-DE" sz="2400" b="0" i="0" u="none" strike="noStrike" kern="1200" cap="none" spc="0" normalizeH="0" baseline="0" noProof="0" dirty="0">
+                <a:ln>
+                  <a:noFill/>
+                </a:ln>
+                <a:solidFill>
+                  <a:prstClr val="black"/>
+                </a:solidFill>
+                <a:effectLst/>
+                <a:uLnTx/>
+                <a:uFillTx/>
+                <a:ea typeface="+mn-ea"/>
+                <a:cs typeface="+mn-cs"/>
+              </a:rPr>
+              <a:t> </a:t>
+            </a:r>
+            <a:r>
+              <a:rPr kumimoji="0" lang="de-DE" sz="2400" b="0" i="0" u="none" strike="noStrike" kern="1200" cap="none" spc="0" normalizeH="0" baseline="0" noProof="0" dirty="0" err="1">
+                <a:ln>
+                  <a:noFill/>
+                </a:ln>
+                <a:solidFill>
+                  <a:prstClr val="black"/>
+                </a:solidFill>
+                <a:effectLst/>
+                <a:uLnTx/>
+                <a:uFillTx/>
+                <a:ea typeface="+mn-ea"/>
+                <a:cs typeface="+mn-cs"/>
+              </a:rPr>
+              <a:t>options</a:t>
+            </a:r>
+            <a:r>
+              <a:rPr kumimoji="0" lang="de-DE" sz="2400" b="0" i="0" u="none" strike="noStrike" kern="1200" cap="none" spc="0" normalizeH="0" baseline="0" noProof="0" dirty="0">
+                <a:ln>
+                  <a:noFill/>
+                </a:ln>
+                <a:solidFill>
+                  <a:prstClr val="black"/>
+                </a:solidFill>
+                <a:effectLst/>
+                <a:uLnTx/>
+                <a:uFillTx/>
+                <a:ea typeface="+mn-ea"/>
+                <a:cs typeface="+mn-cs"/>
+              </a:rPr>
+              <a:t> </a:t>
+            </a:r>
+            <a:r>
+              <a:rPr kumimoji="0" lang="de-DE" sz="2400" b="0" i="0" u="none" strike="noStrike" kern="1200" cap="none" spc="0" normalizeH="0" baseline="0" noProof="0" dirty="0" err="1">
+                <a:ln>
+                  <a:noFill/>
+                </a:ln>
+                <a:solidFill>
+                  <a:prstClr val="black"/>
+                </a:solidFill>
+                <a:effectLst/>
+                <a:uLnTx/>
+                <a:uFillTx/>
+                <a:ea typeface="+mn-ea"/>
+                <a:cs typeface="+mn-cs"/>
+              </a:rPr>
+              <a:t>needed</a:t>
+            </a:r>
+            <a:endParaRPr kumimoji="0" lang="en-US" sz="2400" b="0" i="0" u="none" strike="noStrike" kern="1200" cap="none" spc="0" normalizeH="0" baseline="0" noProof="0" dirty="0">
+              <a:ln>
+                <a:noFill/>
+              </a:ln>
+              <a:solidFill>
+                <a:prstClr val="black"/>
+              </a:solidFill>
+              <a:effectLst/>
+              <a:uLnTx/>
+              <a:uFillTx/>
+              <a:ea typeface="+mn-ea"/>
+              <a:cs typeface="+mn-cs"/>
+            </a:endParaRPr>
           </a:p>
         </p:txBody>
       </p:sp>
       <p:pic>
         <p:nvPicPr>
-          <p:cNvPr id="14" name="Grafik 13">
-            <a:extLst>
-              <a:ext uri="{FF2B5EF4-FFF2-40B4-BE49-F238E27FC236}">
-                <a16:creationId xmlns:a16="http://schemas.microsoft.com/office/drawing/2014/main" id="{047BC266-CB0B-4D45-AECD-5503B685999F}"/>
+          <p:cNvPr id="5" name="Grafik 4">
+            <a:extLst>
+              <a:ext uri="{FF2B5EF4-FFF2-40B4-BE49-F238E27FC236}">
+                <a16:creationId xmlns:a16="http://schemas.microsoft.com/office/drawing/2014/main" id="{155E3840-7016-4B87-B891-B333BD8E6A89}"/>
               </a:ext>
             </a:extLst>
           </p:cNvPr>
@@ -3863,77 +3906,221 @@
           <p:nvPr/>
         </p:nvPicPr>
         <p:blipFill>
-          <a:blip r:embed="rId3"/>
+          <a:blip r:embed="rId4">
+            <a:duotone>
+              <a:schemeClr val="bg2">
+                <a:shade val="45000"/>
+                <a:satMod val="135000"/>
+              </a:schemeClr>
+              <a:prstClr val="white"/>
+            </a:duotone>
+          </a:blip>
           <a:stretch>
             <a:fillRect/>
           </a:stretch>
         </p:blipFill>
         <p:spPr>
           <a:xfrm>
-            <a:off x="6571896" y="4135772"/>
-            <a:ext cx="4165138" cy="2519000"/>
+            <a:off x="6484219" y="716674"/>
+            <a:ext cx="2433676" cy="1872543"/>
           </a:xfrm>
           <a:prstGeom prst="rect">
             <a:avLst/>
           </a:prstGeom>
         </p:spPr>
       </p:pic>
-      <p:sp>
-        <p:nvSpPr>
-          <p:cNvPr id="17" name="Ellipse 16">
-            <a:extLst>
-              <a:ext uri="{FF2B5EF4-FFF2-40B4-BE49-F238E27FC236}">
-                <a16:creationId xmlns:a16="http://schemas.microsoft.com/office/drawing/2014/main" id="{E0D178E7-842D-4A82-BFFB-05628ECA4DBB}"/>
-              </a:ext>
-            </a:extLst>
-          </p:cNvPr>
-          <p:cNvSpPr/>
+      <p:grpSp>
+        <p:nvGrpSpPr>
+          <p:cNvPr id="21" name="Gruppieren 20">
+            <a:extLst>
+              <a:ext uri="{FF2B5EF4-FFF2-40B4-BE49-F238E27FC236}">
+                <a16:creationId xmlns:a16="http://schemas.microsoft.com/office/drawing/2014/main" id="{90CCB38F-9F26-4021-AD64-3AC4DE7E0B2B}"/>
+              </a:ext>
+            </a:extLst>
+          </p:cNvPr>
+          <p:cNvGrpSpPr/>
+          <p:nvPr/>
+        </p:nvGrpSpPr>
+        <p:grpSpPr>
+          <a:xfrm>
+            <a:off x="6824312" y="2929078"/>
+            <a:ext cx="1829151" cy="2313466"/>
+            <a:chOff x="6824312" y="2929078"/>
+            <a:chExt cx="1829151" cy="2313466"/>
+          </a:xfrm>
+        </p:grpSpPr>
+        <p:pic>
+          <p:nvPicPr>
+            <p:cNvPr id="7" name="Grafik 6">
+              <a:extLst>
+                <a:ext uri="{FF2B5EF4-FFF2-40B4-BE49-F238E27FC236}">
+                  <a16:creationId xmlns:a16="http://schemas.microsoft.com/office/drawing/2014/main" id="{10B0D8FD-135C-45A6-848B-8D6D6D171175}"/>
+                </a:ext>
+              </a:extLst>
+            </p:cNvPr>
+            <p:cNvPicPr>
+              <a:picLocks noChangeAspect="1"/>
+            </p:cNvPicPr>
+            <p:nvPr/>
+          </p:nvPicPr>
+          <p:blipFill rotWithShape="1">
+            <a:blip r:embed="rId5">
+              <a:duotone>
+                <a:schemeClr val="bg2">
+                  <a:shade val="45000"/>
+                  <a:satMod val="135000"/>
+                </a:schemeClr>
+                <a:prstClr val="white"/>
+              </a:duotone>
+            </a:blip>
+            <a:srcRect l="2224" t="1167" r="2572" b="2029"/>
+            <a:stretch/>
+          </p:blipFill>
+          <p:spPr>
+            <a:xfrm>
+              <a:off x="6824312" y="2929078"/>
+              <a:ext cx="1747064" cy="2313466"/>
+            </a:xfrm>
+            <a:prstGeom prst="rect">
+              <a:avLst/>
+            </a:prstGeom>
+            <a:solidFill>
+              <a:schemeClr val="tx1"/>
+            </a:solidFill>
+            <a:ln>
+              <a:solidFill>
+                <a:schemeClr val="tx1"/>
+              </a:solidFill>
+            </a:ln>
+          </p:spPr>
+        </p:pic>
+        <p:sp>
+          <p:nvSpPr>
+            <p:cNvPr id="20" name="Rechteck 19">
+              <a:extLst>
+                <a:ext uri="{FF2B5EF4-FFF2-40B4-BE49-F238E27FC236}">
+                  <a16:creationId xmlns:a16="http://schemas.microsoft.com/office/drawing/2014/main" id="{722B25EF-1A70-41A7-908D-96261B8F2C79}"/>
+                </a:ext>
+              </a:extLst>
+            </p:cNvPr>
+            <p:cNvSpPr/>
+            <p:nvPr/>
+          </p:nvSpPr>
+          <p:spPr>
+            <a:xfrm>
+              <a:off x="8483832" y="4726780"/>
+              <a:ext cx="169631" cy="145257"/>
+            </a:xfrm>
+            <a:prstGeom prst="rect">
+              <a:avLst/>
+            </a:prstGeom>
+            <a:solidFill>
+              <a:schemeClr val="tx1"/>
+            </a:solidFill>
+            <a:ln>
+              <a:solidFill>
+                <a:schemeClr val="tx1"/>
+              </a:solidFill>
+            </a:ln>
+          </p:spPr>
+          <p:style>
+            <a:lnRef idx="2">
+              <a:schemeClr val="accent1">
+                <a:shade val="50000"/>
+              </a:schemeClr>
+            </a:lnRef>
+            <a:fillRef idx="1">
+              <a:schemeClr val="accent1"/>
+            </a:fillRef>
+            <a:effectRef idx="0">
+              <a:schemeClr val="accent1"/>
+            </a:effectRef>
+            <a:fontRef idx="minor">
+              <a:schemeClr val="lt1"/>
+            </a:fontRef>
+          </p:style>
+          <p:txBody>
+            <a:bodyPr rtlCol="0" anchor="ctr"/>
+            <a:lstStyle/>
+            <a:p>
+              <a:pPr algn="ctr"/>
+              <a:endParaRPr lang="en-US"/>
+            </a:p>
+          </p:txBody>
+        </p:sp>
+      </p:grpSp>
+      <p:sp>
+        <p:nvSpPr>
+          <p:cNvPr id="22" name="Textfeld 21">
+            <a:extLst>
+              <a:ext uri="{FF2B5EF4-FFF2-40B4-BE49-F238E27FC236}">
+                <a16:creationId xmlns:a16="http://schemas.microsoft.com/office/drawing/2014/main" id="{686A4333-703E-4540-A06E-E22445743A2A}"/>
+              </a:ext>
+            </a:extLst>
+          </p:cNvPr>
+          <p:cNvSpPr txBox="1"/>
           <p:nvPr/>
         </p:nvSpPr>
         <p:spPr>
           <a:xfrm>
-            <a:off x="9925574" y="5695478"/>
-            <a:ext cx="872455" cy="260059"/>
+            <a:off x="4050029" y="5252225"/>
+            <a:ext cx="5958590" cy="230832"/>
           </a:xfrm>
-          <a:prstGeom prst="ellipse">
+          <a:prstGeom prst="rect">
             <a:avLst/>
           </a:prstGeom>
           <a:noFill/>
-          <a:ln>
-            <a:solidFill>
-              <a:srgbClr val="FF0000"/>
-            </a:solidFill>
-          </a:ln>
         </p:spPr>
-        <p:style>
-          <a:lnRef idx="2">
-            <a:schemeClr val="accent1">
-              <a:shade val="50000"/>
-            </a:schemeClr>
-          </a:lnRef>
-          <a:fillRef idx="1">
-            <a:schemeClr val="accent1"/>
-          </a:fillRef>
-          <a:effectRef idx="0">
-            <a:schemeClr val="accent1"/>
-          </a:effectRef>
-          <a:fontRef idx="minor">
-            <a:schemeClr val="lt1"/>
-          </a:fontRef>
-        </p:style>
-        <p:txBody>
-          <a:bodyPr rtlCol="0" anchor="ctr"/>
-          <a:lstStyle/>
-          <a:p>
-            <a:pPr algn="ctr"/>
-            <a:endParaRPr lang="de-DE"/>
+        <p:txBody>
+          <a:bodyPr wrap="square" rtlCol="0">
+            <a:spAutoFit/>
+          </a:bodyPr>
+          <a:lstStyle/>
+          <a:p>
+            <a:r>
+              <a:rPr lang="de-DE" sz="900" dirty="0" err="1">
+                <a:solidFill>
+                  <a:schemeClr val="bg1"/>
+                </a:solidFill>
+              </a:rPr>
+              <a:t>adapted</a:t>
+            </a:r>
+            <a:r>
+              <a:rPr lang="de-DE" sz="900" dirty="0">
+                <a:solidFill>
+                  <a:schemeClr val="bg1"/>
+                </a:solidFill>
+              </a:rPr>
+              <a:t> </a:t>
+            </a:r>
+            <a:r>
+              <a:rPr lang="de-DE" sz="900" dirty="0" err="1">
+                <a:solidFill>
+                  <a:schemeClr val="bg1"/>
+                </a:solidFill>
+              </a:rPr>
+              <a:t>from</a:t>
+            </a:r>
+            <a:r>
+              <a:rPr lang="de-DE" sz="900" dirty="0">
+                <a:solidFill>
+                  <a:schemeClr val="bg1"/>
+                </a:solidFill>
+              </a:rPr>
+              <a:t> pancreaticcancereurope.eu</a:t>
+            </a:r>
+            <a:endParaRPr lang="en-US" sz="900" dirty="0">
+              <a:solidFill>
+                <a:schemeClr val="bg1"/>
+              </a:solidFill>
+            </a:endParaRPr>
           </a:p>
         </p:txBody>
       </p:sp>
     </p:spTree>
     <p:extLst>
       <p:ext uri="{BB962C8B-B14F-4D97-AF65-F5344CB8AC3E}">
-        <p14:creationId xmlns:p14="http://schemas.microsoft.com/office/powerpoint/2010/main" val="995859362"/>
+        <p14:creationId xmlns:p14="http://schemas.microsoft.com/office/powerpoint/2010/main" val="4274058475"/>
       </p:ext>
     </p:extLst>
   </p:cSld>
@@ -3968,35 +4155,59 @@
           <a:chExt cx="0" cy="0"/>
         </a:xfrm>
       </p:grpSpPr>
-      <p:pic>
-        <p:nvPicPr>
-          <p:cNvPr id="5" name="Grafik 4">
-            <a:extLst>
-              <a:ext uri="{FF2B5EF4-FFF2-40B4-BE49-F238E27FC236}">
-                <a16:creationId xmlns:a16="http://schemas.microsoft.com/office/drawing/2014/main" id="{05C4E306-A383-418C-8EE2-2A8BDBDEAC6A}"/>
-              </a:ext>
-            </a:extLst>
-          </p:cNvPr>
-          <p:cNvPicPr>
-            <a:picLocks noChangeAspect="1"/>
-          </p:cNvPicPr>
+      <p:sp>
+        <p:nvSpPr>
+          <p:cNvPr id="3" name="Rechteck 2">
+            <a:extLst>
+              <a:ext uri="{FF2B5EF4-FFF2-40B4-BE49-F238E27FC236}">
+                <a16:creationId xmlns:a16="http://schemas.microsoft.com/office/drawing/2014/main" id="{0CCBA841-154A-484E-8D7A-C076110B7938}"/>
+              </a:ext>
+            </a:extLst>
+          </p:cNvPr>
+          <p:cNvSpPr/>
           <p:nvPr/>
-        </p:nvPicPr>
-        <p:blipFill rotWithShape="1">
-          <a:blip r:embed="rId2"/>
-          <a:srcRect r="19595" b="9090"/>
-          <a:stretch/>
-        </p:blipFill>
+        </p:nvSpPr>
         <p:spPr>
           <a:xfrm>
-            <a:off x="-172935" y="-48639"/>
-            <a:ext cx="12364935" cy="6955277"/>
+            <a:off x="-32158" y="0"/>
+            <a:ext cx="12256316" cy="6858000"/>
           </a:xfrm>
           <a:prstGeom prst="rect">
             <a:avLst/>
           </a:prstGeom>
+          <a:solidFill>
+            <a:schemeClr val="tx1"/>
+          </a:solidFill>
+          <a:ln>
+            <a:solidFill>
+              <a:schemeClr val="tx1"/>
+            </a:solidFill>
+          </a:ln>
         </p:spPr>
-      </p:pic>
+        <p:style>
+          <a:lnRef idx="2">
+            <a:schemeClr val="accent1">
+              <a:shade val="50000"/>
+            </a:schemeClr>
+          </a:lnRef>
+          <a:fillRef idx="1">
+            <a:schemeClr val="accent1"/>
+          </a:fillRef>
+          <a:effectRef idx="0">
+            <a:schemeClr val="accent1"/>
+          </a:effectRef>
+          <a:fontRef idx="minor">
+            <a:schemeClr val="lt1"/>
+          </a:fontRef>
+        </p:style>
+        <p:txBody>
+          <a:bodyPr rtlCol="0" anchor="ctr"/>
+          <a:lstStyle/>
+          <a:p>
+            <a:endParaRPr lang="de-DE" dirty="0"/>
+          </a:p>
+        </p:txBody>
+      </p:sp>
       <p:sp>
         <p:nvSpPr>
           <p:cNvPr id="35" name="Rectangle 34">
@@ -4093,9 +4304,25 @@
           <a:lstStyle/>
           <a:p>
             <a:r>
-              <a:rPr lang="en-US" sz="4800"/>
-              <a:t>Microarrays</a:t>
-            </a:r>
+              <a:rPr lang="de-DE" sz="4800" dirty="0"/>
+              <a:t>TRAs</a:t>
+            </a:r>
+            <a:br>
+              <a:rPr lang="de-DE" sz="4800" dirty="0"/>
+            </a:br>
+            <a:r>
+              <a:rPr lang="de-DE" sz="1800" dirty="0" err="1"/>
+              <a:t>applications</a:t>
+            </a:r>
+            <a:r>
+              <a:rPr lang="de-DE" sz="1800" dirty="0"/>
+              <a:t> in </a:t>
+            </a:r>
+            <a:r>
+              <a:rPr lang="de-DE" sz="1800" dirty="0" err="1"/>
+              <a:t>cancer</a:t>
+            </a:r>
+            <a:endParaRPr lang="en-US" sz="4800" dirty="0"/>
           </a:p>
         </p:txBody>
       </p:sp>
@@ -4164,6 +4391,1206 @@
           </a:p>
         </p:txBody>
       </p:sp>
+      <p:sp>
+        <p:nvSpPr>
+          <p:cNvPr id="5" name="Textfeld 4">
+            <a:extLst>
+              <a:ext uri="{FF2B5EF4-FFF2-40B4-BE49-F238E27FC236}">
+                <a16:creationId xmlns:a16="http://schemas.microsoft.com/office/drawing/2014/main" id="{C7895CE0-1873-4D6B-BE21-542CD95925F6}"/>
+              </a:ext>
+            </a:extLst>
+          </p:cNvPr>
+          <p:cNvSpPr txBox="1"/>
+          <p:nvPr/>
+        </p:nvSpPr>
+        <p:spPr>
+          <a:xfrm>
+            <a:off x="6684555" y="1063462"/>
+            <a:ext cx="4951047" cy="1477328"/>
+          </a:xfrm>
+          <a:prstGeom prst="rect">
+            <a:avLst/>
+          </a:prstGeom>
+          <a:noFill/>
+        </p:spPr>
+        <p:txBody>
+          <a:bodyPr wrap="square" rtlCol="0">
+            <a:spAutoFit/>
+          </a:bodyPr>
+          <a:lstStyle/>
+          <a:p>
+            <a:pPr marL="285750" marR="0" lvl="0" indent="-285750" algn="l" defTabSz="914400" rtl="0" eaLnBrk="1" fontAlgn="auto" latinLnBrk="0" hangingPunct="1">
+              <a:lnSpc>
+                <a:spcPct val="100000"/>
+              </a:lnSpc>
+              <a:spcBef>
+                <a:spcPts val="0"/>
+              </a:spcBef>
+              <a:spcAft>
+                <a:spcPts val="0"/>
+              </a:spcAft>
+              <a:buClrTx/>
+              <a:buSzTx/>
+              <a:buFont typeface="Arial" panose="020B0604020202020204" pitchFamily="34" charset="0"/>
+              <a:buChar char="•"/>
+              <a:tabLst/>
+              <a:defRPr/>
+            </a:pPr>
+            <a:r>
+              <a:rPr kumimoji="0" lang="de-DE" sz="1800" b="1" i="0" u="none" strike="noStrike" kern="1200" cap="none" spc="0" normalizeH="0" baseline="0" noProof="0" dirty="0">
+                <a:ln>
+                  <a:noFill/>
+                </a:ln>
+                <a:solidFill>
+                  <a:prstClr val="black"/>
+                </a:solidFill>
+                <a:effectLst/>
+                <a:uLnTx/>
+                <a:uFillTx/>
+                <a:latin typeface="Calibri" panose="020F0502020204030204"/>
+                <a:ea typeface="+mn-ea"/>
+                <a:cs typeface="+mn-cs"/>
+              </a:rPr>
+              <a:t>Tumor </a:t>
+            </a:r>
+            <a:r>
+              <a:rPr kumimoji="0" lang="de-DE" sz="1800" b="1" i="0" u="none" strike="noStrike" kern="1200" cap="none" spc="0" normalizeH="0" baseline="0" noProof="0" dirty="0" err="1">
+                <a:ln>
+                  <a:noFill/>
+                </a:ln>
+                <a:solidFill>
+                  <a:prstClr val="black"/>
+                </a:solidFill>
+                <a:effectLst/>
+                <a:uLnTx/>
+                <a:uFillTx/>
+                <a:latin typeface="Calibri" panose="020F0502020204030204"/>
+                <a:ea typeface="+mn-ea"/>
+                <a:cs typeface="+mn-cs"/>
+              </a:rPr>
+              <a:t>marker</a:t>
+            </a:r>
+            <a:endParaRPr kumimoji="0" lang="de-DE" sz="1800" b="1" i="0" u="none" strike="noStrike" kern="1200" cap="none" spc="0" normalizeH="0" baseline="0" noProof="0" dirty="0">
+              <a:ln>
+                <a:noFill/>
+              </a:ln>
+              <a:solidFill>
+                <a:prstClr val="black"/>
+              </a:solidFill>
+              <a:effectLst/>
+              <a:uLnTx/>
+              <a:uFillTx/>
+              <a:latin typeface="Calibri" panose="020F0502020204030204"/>
+              <a:ea typeface="+mn-ea"/>
+              <a:cs typeface="+mn-cs"/>
+            </a:endParaRPr>
+          </a:p>
+          <a:p>
+            <a:pPr marR="0" lvl="0" algn="l" defTabSz="914400" rtl="0" eaLnBrk="1" fontAlgn="auto" latinLnBrk="0" hangingPunct="1">
+              <a:lnSpc>
+                <a:spcPct val="100000"/>
+              </a:lnSpc>
+              <a:spcBef>
+                <a:spcPts val="0"/>
+              </a:spcBef>
+              <a:spcAft>
+                <a:spcPts val="0"/>
+              </a:spcAft>
+              <a:buClrTx/>
+              <a:buSzTx/>
+              <a:tabLst/>
+              <a:defRPr/>
+            </a:pPr>
+            <a:endParaRPr kumimoji="0" lang="de-DE" sz="1800" b="1" i="0" u="none" strike="noStrike" kern="1200" cap="none" spc="0" normalizeH="0" baseline="0" noProof="0" dirty="0">
+              <a:ln>
+                <a:noFill/>
+              </a:ln>
+              <a:solidFill>
+                <a:prstClr val="black"/>
+              </a:solidFill>
+              <a:effectLst/>
+              <a:uLnTx/>
+              <a:uFillTx/>
+              <a:latin typeface="Calibri" panose="020F0502020204030204"/>
+              <a:ea typeface="+mn-ea"/>
+              <a:cs typeface="+mn-cs"/>
+            </a:endParaRPr>
+          </a:p>
+          <a:p>
+            <a:pPr marL="285750" marR="0" lvl="0" indent="-285750" algn="l" defTabSz="914400" rtl="0" eaLnBrk="1" fontAlgn="auto" latinLnBrk="0" hangingPunct="1">
+              <a:lnSpc>
+                <a:spcPct val="100000"/>
+              </a:lnSpc>
+              <a:spcBef>
+                <a:spcPts val="0"/>
+              </a:spcBef>
+              <a:spcAft>
+                <a:spcPts val="0"/>
+              </a:spcAft>
+              <a:buClrTx/>
+              <a:buSzTx/>
+              <a:buFont typeface="Arial" panose="020B0604020202020204" pitchFamily="34" charset="0"/>
+              <a:buChar char="•"/>
+              <a:tabLst/>
+              <a:defRPr/>
+            </a:pPr>
+            <a:r>
+              <a:rPr kumimoji="0" lang="de-DE" sz="1800" b="1" i="0" u="none" strike="noStrike" kern="1200" cap="none" spc="0" normalizeH="0" baseline="0" noProof="0" dirty="0" err="1">
+                <a:ln>
+                  <a:noFill/>
+                </a:ln>
+                <a:solidFill>
+                  <a:prstClr val="black"/>
+                </a:solidFill>
+                <a:effectLst/>
+                <a:uLnTx/>
+                <a:uFillTx/>
+                <a:latin typeface="Calibri" panose="020F0502020204030204"/>
+                <a:ea typeface="+mn-ea"/>
+                <a:cs typeface="+mn-cs"/>
+              </a:rPr>
+              <a:t>Immunotherapy</a:t>
+            </a:r>
+            <a:endParaRPr kumimoji="0" lang="de-DE" sz="1800" b="1" i="0" u="none" strike="noStrike" kern="1200" cap="none" spc="0" normalizeH="0" baseline="0" noProof="0" dirty="0">
+              <a:ln>
+                <a:noFill/>
+              </a:ln>
+              <a:solidFill>
+                <a:prstClr val="black"/>
+              </a:solidFill>
+              <a:effectLst/>
+              <a:uLnTx/>
+              <a:uFillTx/>
+              <a:latin typeface="Calibri" panose="020F0502020204030204"/>
+              <a:ea typeface="+mn-ea"/>
+              <a:cs typeface="+mn-cs"/>
+            </a:endParaRPr>
+          </a:p>
+          <a:p>
+            <a:pPr marL="285750" marR="0" lvl="0" indent="-285750" algn="l" defTabSz="914400" rtl="0" eaLnBrk="1" fontAlgn="auto" latinLnBrk="0" hangingPunct="1">
+              <a:lnSpc>
+                <a:spcPct val="100000"/>
+              </a:lnSpc>
+              <a:spcBef>
+                <a:spcPts val="0"/>
+              </a:spcBef>
+              <a:spcAft>
+                <a:spcPts val="0"/>
+              </a:spcAft>
+              <a:buClrTx/>
+              <a:buSzTx/>
+              <a:buFont typeface="Arial" panose="020B0604020202020204" pitchFamily="34" charset="0"/>
+              <a:buChar char="•"/>
+              <a:tabLst/>
+              <a:defRPr/>
+            </a:pPr>
+            <a:endParaRPr kumimoji="0" lang="de-DE" sz="1800" b="1" i="0" u="none" strike="noStrike" kern="1200" cap="none" spc="0" normalizeH="0" baseline="0" noProof="0" dirty="0">
+              <a:ln>
+                <a:noFill/>
+              </a:ln>
+              <a:solidFill>
+                <a:prstClr val="black"/>
+              </a:solidFill>
+              <a:effectLst/>
+              <a:uLnTx/>
+              <a:uFillTx/>
+              <a:latin typeface="Calibri" panose="020F0502020204030204"/>
+              <a:ea typeface="+mn-ea"/>
+              <a:cs typeface="+mn-cs"/>
+            </a:endParaRPr>
+          </a:p>
+          <a:p>
+            <a:pPr marL="285750" marR="0" lvl="0" indent="-285750" algn="l" defTabSz="914400" rtl="0" eaLnBrk="1" fontAlgn="auto" latinLnBrk="0" hangingPunct="1">
+              <a:lnSpc>
+                <a:spcPct val="100000"/>
+              </a:lnSpc>
+              <a:spcBef>
+                <a:spcPts val="0"/>
+              </a:spcBef>
+              <a:spcAft>
+                <a:spcPts val="0"/>
+              </a:spcAft>
+              <a:buClrTx/>
+              <a:buSzTx/>
+              <a:buFont typeface="Arial" panose="020B0604020202020204" pitchFamily="34" charset="0"/>
+              <a:buChar char="•"/>
+              <a:tabLst/>
+              <a:defRPr/>
+            </a:pPr>
+            <a:r>
+              <a:rPr kumimoji="0" lang="de-DE" sz="1800" b="1" i="0" u="none" strike="noStrike" kern="1200" cap="none" spc="0" normalizeH="0" baseline="0" noProof="0" dirty="0">
+                <a:ln>
+                  <a:noFill/>
+                </a:ln>
+                <a:solidFill>
+                  <a:prstClr val="black"/>
+                </a:solidFill>
+                <a:effectLst/>
+                <a:uLnTx/>
+                <a:uFillTx/>
+                <a:latin typeface="Calibri" panose="020F0502020204030204"/>
+                <a:ea typeface="+mn-ea"/>
+                <a:cs typeface="+mn-cs"/>
+              </a:rPr>
+              <a:t>Classic Therapy</a:t>
+            </a:r>
+          </a:p>
+        </p:txBody>
+      </p:sp>
+      <p:pic>
+        <p:nvPicPr>
+          <p:cNvPr id="6" name="Grafik 5">
+            <a:extLst>
+              <a:ext uri="{FF2B5EF4-FFF2-40B4-BE49-F238E27FC236}">
+                <a16:creationId xmlns:a16="http://schemas.microsoft.com/office/drawing/2014/main" id="{917970B8-E9EB-4598-872F-4321943BEAFE}"/>
+              </a:ext>
+            </a:extLst>
+          </p:cNvPr>
+          <p:cNvPicPr>
+            <a:picLocks noChangeAspect="1"/>
+          </p:cNvPicPr>
+          <p:nvPr/>
+        </p:nvPicPr>
+        <p:blipFill>
+          <a:blip r:embed="rId2"/>
+          <a:stretch>
+            <a:fillRect/>
+          </a:stretch>
+        </p:blipFill>
+        <p:spPr>
+          <a:xfrm>
+            <a:off x="6246509" y="3329209"/>
+            <a:ext cx="5827140" cy="3237300"/>
+          </a:xfrm>
+          <a:prstGeom prst="rect">
+            <a:avLst/>
+          </a:prstGeom>
+        </p:spPr>
+      </p:pic>
+      <p:sp>
+        <p:nvSpPr>
+          <p:cNvPr id="7" name="Textfeld 6">
+            <a:extLst>
+              <a:ext uri="{FF2B5EF4-FFF2-40B4-BE49-F238E27FC236}">
+                <a16:creationId xmlns:a16="http://schemas.microsoft.com/office/drawing/2014/main" id="{CA1D6B7B-E81C-4F42-BFFF-492B2A49F41C}"/>
+              </a:ext>
+            </a:extLst>
+          </p:cNvPr>
+          <p:cNvSpPr txBox="1"/>
+          <p:nvPr/>
+        </p:nvSpPr>
+        <p:spPr>
+          <a:xfrm>
+            <a:off x="7124562" y="6517808"/>
+            <a:ext cx="4511040" cy="215444"/>
+          </a:xfrm>
+          <a:prstGeom prst="rect">
+            <a:avLst/>
+          </a:prstGeom>
+          <a:noFill/>
+        </p:spPr>
+        <p:txBody>
+          <a:bodyPr wrap="square" rtlCol="0">
+            <a:spAutoFit/>
+          </a:bodyPr>
+          <a:lstStyle/>
+          <a:p>
+            <a:r>
+              <a:rPr lang="en-US" sz="800" dirty="0">
+                <a:solidFill>
+                  <a:schemeClr val="bg1"/>
+                </a:solidFill>
+              </a:rPr>
+              <a:t>https://www.advancedsciencenews.com/antibody-and-antibody-derivatives-as-cancer-therapeutics/</a:t>
+            </a:r>
+          </a:p>
+        </p:txBody>
+      </p:sp>
+    </p:spTree>
+    <p:extLst>
+      <p:ext uri="{BB962C8B-B14F-4D97-AF65-F5344CB8AC3E}">
+        <p14:creationId xmlns:p14="http://schemas.microsoft.com/office/powerpoint/2010/main" val="2041144993"/>
+      </p:ext>
+    </p:extLst>
+  </p:cSld>
+  <p:clrMapOvr>
+    <a:overrideClrMapping bg1="dk1" tx1="lt1" bg2="dk2" tx2="lt2" accent1="accent1" accent2="accent2" accent3="accent3" accent4="accent4" accent5="accent5" accent6="accent6" hlink="hlink" folHlink="folHlink"/>
+  </p:clrMapOvr>
+</p:sld>
+</file>
+
+<file path=ppt/slides/slide3.xml><?xml version="1.0" encoding="utf-8"?>
+<p:sld xmlns:a="http://schemas.openxmlformats.org/drawingml/2006/main" xmlns:r="http://schemas.openxmlformats.org/officeDocument/2006/relationships" xmlns:p="http://schemas.openxmlformats.org/presentationml/2006/main">
+  <p:cSld>
+    <p:bg>
+      <p:bgPr>
+        <a:solidFill>
+          <a:schemeClr val="bg1"/>
+        </a:solidFill>
+        <a:effectLst/>
+      </p:bgPr>
+    </p:bg>
+    <p:spTree>
+      <p:nvGrpSpPr>
+        <p:cNvPr id="1" name=""/>
+        <p:cNvGrpSpPr/>
+        <p:nvPr/>
+      </p:nvGrpSpPr>
+      <p:grpSpPr>
+        <a:xfrm>
+          <a:off x="0" y="0"/>
+          <a:ext cx="0" cy="0"/>
+          <a:chOff x="0" y="0"/>
+          <a:chExt cx="0" cy="0"/>
+        </a:xfrm>
+      </p:grpSpPr>
+      <p:sp>
+        <p:nvSpPr>
+          <p:cNvPr id="3" name="Rechteck 2">
+            <a:extLst>
+              <a:ext uri="{FF2B5EF4-FFF2-40B4-BE49-F238E27FC236}">
+                <a16:creationId xmlns:a16="http://schemas.microsoft.com/office/drawing/2014/main" id="{0CCBA841-154A-484E-8D7A-C076110B7938}"/>
+              </a:ext>
+            </a:extLst>
+          </p:cNvPr>
+          <p:cNvSpPr/>
+          <p:nvPr/>
+        </p:nvSpPr>
+        <p:spPr>
+          <a:xfrm>
+            <a:off x="-32158" y="0"/>
+            <a:ext cx="12256316" cy="6858000"/>
+          </a:xfrm>
+          <a:prstGeom prst="rect">
+            <a:avLst/>
+          </a:prstGeom>
+          <a:solidFill>
+            <a:schemeClr val="tx1"/>
+          </a:solidFill>
+          <a:ln>
+            <a:solidFill>
+              <a:schemeClr val="tx1"/>
+            </a:solidFill>
+          </a:ln>
+        </p:spPr>
+        <p:style>
+          <a:lnRef idx="2">
+            <a:schemeClr val="accent1">
+              <a:shade val="50000"/>
+            </a:schemeClr>
+          </a:lnRef>
+          <a:fillRef idx="1">
+            <a:schemeClr val="accent1"/>
+          </a:fillRef>
+          <a:effectRef idx="0">
+            <a:schemeClr val="accent1"/>
+          </a:effectRef>
+          <a:fontRef idx="minor">
+            <a:schemeClr val="lt1"/>
+          </a:fontRef>
+        </p:style>
+        <p:txBody>
+          <a:bodyPr rtlCol="0" anchor="ctr"/>
+          <a:lstStyle/>
+          <a:p>
+            <a:r>
+              <a:rPr lang="de-DE"/>
+              <a:t>Distribution of TRAs over specific tissues</a:t>
+            </a:r>
+            <a:endParaRPr lang="de-DE" dirty="0"/>
+          </a:p>
+        </p:txBody>
+      </p:sp>
+      <p:sp>
+        <p:nvSpPr>
+          <p:cNvPr id="12" name="Textfeld 11">
+            <a:extLst>
+              <a:ext uri="{FF2B5EF4-FFF2-40B4-BE49-F238E27FC236}">
+                <a16:creationId xmlns:a16="http://schemas.microsoft.com/office/drawing/2014/main" id="{EEAC6720-FCBE-4BE2-AB6D-4C14249C9D68}"/>
+              </a:ext>
+            </a:extLst>
+          </p:cNvPr>
+          <p:cNvSpPr txBox="1"/>
+          <p:nvPr/>
+        </p:nvSpPr>
+        <p:spPr>
+          <a:xfrm>
+            <a:off x="6571896" y="284979"/>
+            <a:ext cx="4951047" cy="4093428"/>
+          </a:xfrm>
+          <a:prstGeom prst="rect">
+            <a:avLst/>
+          </a:prstGeom>
+          <a:noFill/>
+        </p:spPr>
+        <p:txBody>
+          <a:bodyPr wrap="square">
+            <a:spAutoFit/>
+          </a:bodyPr>
+          <a:lstStyle/>
+          <a:p>
+            <a:r>
+              <a:rPr lang="de-DE" sz="2000" b="1" dirty="0">
+                <a:solidFill>
+                  <a:schemeClr val="bg1"/>
+                </a:solidFill>
+              </a:rPr>
+              <a:t>Human</a:t>
+            </a:r>
+            <a:r>
+              <a:rPr lang="de-DE" sz="2000" dirty="0">
+                <a:solidFill>
+                  <a:schemeClr val="bg1"/>
+                </a:solidFill>
+              </a:rPr>
+              <a:t> TRA </a:t>
+            </a:r>
+            <a:r>
+              <a:rPr lang="de-DE" sz="2000" dirty="0" err="1">
+                <a:solidFill>
+                  <a:schemeClr val="bg1"/>
+                </a:solidFill>
+              </a:rPr>
+              <a:t>gene</a:t>
+            </a:r>
+            <a:r>
+              <a:rPr lang="de-DE" sz="2000" dirty="0">
+                <a:solidFill>
+                  <a:schemeClr val="bg1"/>
+                </a:solidFill>
+              </a:rPr>
+              <a:t> </a:t>
+            </a:r>
+            <a:r>
+              <a:rPr lang="de-DE" sz="2000" dirty="0" err="1">
+                <a:solidFill>
+                  <a:schemeClr val="bg1"/>
+                </a:solidFill>
+              </a:rPr>
+              <a:t>expression</a:t>
+            </a:r>
+            <a:endParaRPr lang="de-DE" sz="2000" dirty="0">
+              <a:solidFill>
+                <a:schemeClr val="bg1"/>
+              </a:solidFill>
+            </a:endParaRPr>
+          </a:p>
+          <a:p>
+            <a:pPr marL="342900" indent="-342900">
+              <a:buFont typeface="Arial" panose="020B0604020202020204" pitchFamily="34" charset="0"/>
+              <a:buChar char="•"/>
+            </a:pPr>
+            <a:endParaRPr lang="de-DE" sz="2000" dirty="0">
+              <a:solidFill>
+                <a:schemeClr val="bg1"/>
+              </a:solidFill>
+            </a:endParaRPr>
+          </a:p>
+          <a:p>
+            <a:endParaRPr lang="de-DE" sz="2000" dirty="0">
+              <a:solidFill>
+                <a:schemeClr val="bg1"/>
+              </a:solidFill>
+            </a:endParaRPr>
+          </a:p>
+          <a:p>
+            <a:endParaRPr lang="de-DE" sz="2000" dirty="0">
+              <a:solidFill>
+                <a:schemeClr val="bg1"/>
+              </a:solidFill>
+            </a:endParaRPr>
+          </a:p>
+          <a:p>
+            <a:endParaRPr lang="de-DE" sz="2000" dirty="0">
+              <a:solidFill>
+                <a:schemeClr val="bg1"/>
+              </a:solidFill>
+            </a:endParaRPr>
+          </a:p>
+          <a:p>
+            <a:endParaRPr lang="de-DE" sz="2000" dirty="0">
+              <a:solidFill>
+                <a:schemeClr val="bg1"/>
+              </a:solidFill>
+            </a:endParaRPr>
+          </a:p>
+          <a:p>
+            <a:endParaRPr lang="de-DE" sz="2000" dirty="0">
+              <a:solidFill>
+                <a:schemeClr val="bg1"/>
+              </a:solidFill>
+            </a:endParaRPr>
+          </a:p>
+          <a:p>
+            <a:endParaRPr lang="de-DE" sz="2000" dirty="0">
+              <a:solidFill>
+                <a:schemeClr val="bg1"/>
+              </a:solidFill>
+            </a:endParaRPr>
+          </a:p>
+          <a:p>
+            <a:endParaRPr lang="de-DE" sz="2000" dirty="0">
+              <a:solidFill>
+                <a:schemeClr val="bg1"/>
+              </a:solidFill>
+            </a:endParaRPr>
+          </a:p>
+          <a:p>
+            <a:endParaRPr lang="de-DE" sz="2000" dirty="0">
+              <a:solidFill>
+                <a:schemeClr val="bg1"/>
+              </a:solidFill>
+            </a:endParaRPr>
+          </a:p>
+          <a:p>
+            <a:endParaRPr lang="de-DE" sz="2000" dirty="0">
+              <a:solidFill>
+                <a:schemeClr val="bg1"/>
+              </a:solidFill>
+            </a:endParaRPr>
+          </a:p>
+          <a:p>
+            <a:r>
+              <a:rPr lang="de-DE" sz="2000" b="1" dirty="0">
+                <a:solidFill>
+                  <a:schemeClr val="bg1"/>
+                </a:solidFill>
+              </a:rPr>
+              <a:t>Mouse</a:t>
+            </a:r>
+            <a:r>
+              <a:rPr lang="de-DE" sz="2000" dirty="0">
+                <a:solidFill>
+                  <a:schemeClr val="bg1"/>
+                </a:solidFill>
+              </a:rPr>
+              <a:t> TRA </a:t>
+            </a:r>
+            <a:r>
+              <a:rPr lang="de-DE" sz="2000" dirty="0" err="1">
+                <a:solidFill>
+                  <a:schemeClr val="bg1"/>
+                </a:solidFill>
+              </a:rPr>
+              <a:t>gene</a:t>
+            </a:r>
+            <a:r>
+              <a:rPr lang="de-DE" sz="2000" dirty="0">
+                <a:solidFill>
+                  <a:schemeClr val="bg1"/>
+                </a:solidFill>
+              </a:rPr>
+              <a:t> </a:t>
+            </a:r>
+            <a:r>
+              <a:rPr lang="de-DE" sz="2000" dirty="0" err="1">
+                <a:solidFill>
+                  <a:schemeClr val="bg1"/>
+                </a:solidFill>
+              </a:rPr>
+              <a:t>expression</a:t>
+            </a:r>
+            <a:endParaRPr lang="de-DE" sz="2000" dirty="0">
+              <a:solidFill>
+                <a:schemeClr val="bg1"/>
+              </a:solidFill>
+            </a:endParaRPr>
+          </a:p>
+          <a:p>
+            <a:endParaRPr lang="de-DE" sz="2000" dirty="0">
+              <a:solidFill>
+                <a:schemeClr val="bg1"/>
+              </a:solidFill>
+            </a:endParaRPr>
+          </a:p>
+        </p:txBody>
+      </p:sp>
+      <p:sp>
+        <p:nvSpPr>
+          <p:cNvPr id="35" name="Rectangle 34">
+            <a:extLst>
+              <a:ext uri="{FF2B5EF4-FFF2-40B4-BE49-F238E27FC236}">
+                <a16:creationId xmlns:a16="http://schemas.microsoft.com/office/drawing/2014/main" id="{A9C8CC0B-0626-4A63-AC0A-FEE03D080759}"/>
+              </a:ext>
+              <a:ext uri="{C183D7F6-B498-43B3-948B-1728B52AA6E4}">
+                <adec:decorative xmlns:adec="http://schemas.microsoft.com/office/drawing/2017/decorative" val="1"/>
+              </a:ext>
+            </a:extLst>
+          </p:cNvPr>
+          <p:cNvSpPr>
+            <a:spLocks noGrp="1" noRot="1" noChangeAspect="1" noMove="1" noResize="1" noEditPoints="1" noAdjustHandles="1" noChangeArrowheads="1" noChangeShapeType="1" noTextEdit="1"/>
+          </p:cNvSpPr>
+          <p:nvPr>
+            <p:extLst>
+              <p:ext uri="{386F3935-93C4-4BCD-93E2-E3B085C9AB24}">
+                <p16:designElem xmlns:p16="http://schemas.microsoft.com/office/powerpoint/2015/main" val="1"/>
+              </p:ext>
+            </p:extLst>
+          </p:nvPr>
+        </p:nvSpPr>
+        <p:spPr>
+          <a:xfrm>
+            <a:off x="863601" y="0"/>
+            <a:ext cx="5232399" cy="5295899"/>
+          </a:xfrm>
+          <a:prstGeom prst="rect">
+            <a:avLst/>
+          </a:prstGeom>
+          <a:solidFill>
+            <a:schemeClr val="bg1">
+              <a:alpha val="80000"/>
+            </a:schemeClr>
+          </a:solidFill>
+          <a:ln>
+            <a:noFill/>
+          </a:ln>
+        </p:spPr>
+        <p:style>
+          <a:lnRef idx="1">
+            <a:schemeClr val="accent1"/>
+          </a:lnRef>
+          <a:fillRef idx="3">
+            <a:schemeClr val="accent1"/>
+          </a:fillRef>
+          <a:effectRef idx="2">
+            <a:schemeClr val="accent1"/>
+          </a:effectRef>
+          <a:fontRef idx="minor">
+            <a:schemeClr val="lt1"/>
+          </a:fontRef>
+        </p:style>
+        <p:txBody>
+          <a:bodyPr rtlCol="0" anchor="ctr"/>
+          <a:lstStyle/>
+          <a:p>
+            <a:pPr algn="ctr"/>
+            <a:endParaRPr lang="en-US">
+              <a:solidFill>
+                <a:schemeClr val="bg1"/>
+              </a:solidFill>
+            </a:endParaRPr>
+          </a:p>
+        </p:txBody>
+      </p:sp>
+      <p:sp>
+        <p:nvSpPr>
+          <p:cNvPr id="2" name="Titel 1">
+            <a:extLst>
+              <a:ext uri="{FF2B5EF4-FFF2-40B4-BE49-F238E27FC236}">
+                <a16:creationId xmlns:a16="http://schemas.microsoft.com/office/drawing/2014/main" id="{8EE4ED0E-184B-480E-A2B4-64EEB29540AE}"/>
+              </a:ext>
+            </a:extLst>
+          </p:cNvPr>
+          <p:cNvSpPr>
+            <a:spLocks noGrp="1"/>
+          </p:cNvSpPr>
+          <p:nvPr>
+            <p:ph type="title"/>
+          </p:nvPr>
+        </p:nvSpPr>
+        <p:spPr>
+          <a:xfrm>
+            <a:off x="1339497" y="484632"/>
+            <a:ext cx="4275777" cy="3762970"/>
+          </a:xfrm>
+        </p:spPr>
+        <p:txBody>
+          <a:bodyPr vert="horz" lIns="91440" tIns="45720" rIns="91440" bIns="45720" rtlCol="0" anchor="b">
+            <a:normAutofit/>
+          </a:bodyPr>
+          <a:lstStyle/>
+          <a:p>
+            <a:r>
+              <a:rPr lang="en-US" sz="4800" dirty="0"/>
+              <a:t>TRAs</a:t>
+            </a:r>
+            <a:br>
+              <a:rPr lang="en-US" sz="4800" dirty="0"/>
+            </a:br>
+            <a:r>
+              <a:rPr kumimoji="0" lang="en-US" sz="1800" b="0" i="0" u="none" strike="noStrike" kern="1200" cap="none" spc="0" normalizeH="0" baseline="0" noProof="0" dirty="0">
+                <a:ln>
+                  <a:noFill/>
+                </a:ln>
+                <a:solidFill>
+                  <a:prstClr val="white"/>
+                </a:solidFill>
+                <a:effectLst/>
+                <a:uLnTx/>
+                <a:uFillTx/>
+                <a:latin typeface="Calibri" panose="020F0502020204030204" pitchFamily="34" charset="0"/>
+                <a:ea typeface="Calibri" panose="020F0502020204030204" pitchFamily="34" charset="0"/>
+                <a:cs typeface="+mj-cs"/>
+              </a:rPr>
+              <a:t>highly expressed in a few tissues</a:t>
+            </a:r>
+            <a:endParaRPr lang="en-US" sz="4800" dirty="0"/>
+          </a:p>
+        </p:txBody>
+      </p:sp>
+      <p:sp>
+        <p:nvSpPr>
+          <p:cNvPr id="37" name="Rectangle 36">
+            <a:extLst>
+              <a:ext uri="{FF2B5EF4-FFF2-40B4-BE49-F238E27FC236}">
+                <a16:creationId xmlns:a16="http://schemas.microsoft.com/office/drawing/2014/main" id="{B518FCF3-6204-44FD-9EDA-977C07F6CF75}"/>
+              </a:ext>
+              <a:ext uri="{C183D7F6-B498-43B3-948B-1728B52AA6E4}">
+                <adec:decorative xmlns:adec="http://schemas.microsoft.com/office/drawing/2017/decorative" val="1"/>
+              </a:ext>
+            </a:extLst>
+          </p:cNvPr>
+          <p:cNvSpPr>
+            <a:spLocks noGrp="1" noRot="1" noChangeAspect="1" noMove="1" noResize="1" noEditPoints="1" noAdjustHandles="1" noChangeArrowheads="1" noChangeShapeType="1" noTextEdit="1"/>
+          </p:cNvSpPr>
+          <p:nvPr>
+            <p:extLst>
+              <p:ext uri="{386F3935-93C4-4BCD-93E2-E3B085C9AB24}">
+                <p16:designElem xmlns:p16="http://schemas.microsoft.com/office/powerpoint/2015/main" val="1"/>
+              </p:ext>
+            </p:extLst>
+          </p:nvPr>
+        </p:nvSpPr>
+        <p:spPr>
+          <a:xfrm>
+            <a:off x="1394789" y="4410188"/>
+            <a:ext cx="1267136" cy="165099"/>
+          </a:xfrm>
+          <a:prstGeom prst="rect">
+            <a:avLst/>
+          </a:prstGeom>
+          <a:solidFill>
+            <a:srgbClr val="4E00FF"/>
+          </a:solidFill>
+          <a:ln>
+            <a:noFill/>
+          </a:ln>
+        </p:spPr>
+        <p:style>
+          <a:lnRef idx="1">
+            <a:schemeClr val="accent1"/>
+          </a:lnRef>
+          <a:fillRef idx="3">
+            <a:schemeClr val="accent1"/>
+          </a:fillRef>
+          <a:effectRef idx="2">
+            <a:schemeClr val="accent1"/>
+          </a:effectRef>
+          <a:fontRef idx="minor">
+            <a:schemeClr val="lt1"/>
+          </a:fontRef>
+        </p:style>
+        <p:txBody>
+          <a:bodyPr rtlCol="0" anchor="ctr"/>
+          <a:lstStyle/>
+          <a:p>
+            <a:pPr algn="ctr"/>
+            <a:endParaRPr lang="en-US">
+              <a:solidFill>
+                <a:schemeClr val="bg1"/>
+              </a:solidFill>
+            </a:endParaRPr>
+          </a:p>
+        </p:txBody>
+      </p:sp>
+      <p:pic>
+        <p:nvPicPr>
+          <p:cNvPr id="4" name="Grafik 3">
+            <a:extLst>
+              <a:ext uri="{FF2B5EF4-FFF2-40B4-BE49-F238E27FC236}">
+                <a16:creationId xmlns:a16="http://schemas.microsoft.com/office/drawing/2014/main" id="{82D23D07-79A0-4554-BDA2-2D12860CCE3A}"/>
+              </a:ext>
+            </a:extLst>
+          </p:cNvPr>
+          <p:cNvPicPr>
+            <a:picLocks noChangeAspect="1"/>
+          </p:cNvPicPr>
+          <p:nvPr/>
+        </p:nvPicPr>
+        <p:blipFill>
+          <a:blip r:embed="rId2"/>
+          <a:stretch>
+            <a:fillRect/>
+          </a:stretch>
+        </p:blipFill>
+        <p:spPr>
+          <a:xfrm>
+            <a:off x="6584235" y="766691"/>
+            <a:ext cx="4213794" cy="2662309"/>
+          </a:xfrm>
+          <a:prstGeom prst="rect">
+            <a:avLst/>
+          </a:prstGeom>
+        </p:spPr>
+      </p:pic>
+      <p:sp>
+        <p:nvSpPr>
+          <p:cNvPr id="8" name="Ellipse 7">
+            <a:extLst>
+              <a:ext uri="{FF2B5EF4-FFF2-40B4-BE49-F238E27FC236}">
+                <a16:creationId xmlns:a16="http://schemas.microsoft.com/office/drawing/2014/main" id="{88114995-D26D-48D1-87AD-ACEE18DDE7F9}"/>
+              </a:ext>
+            </a:extLst>
+          </p:cNvPr>
+          <p:cNvSpPr/>
+          <p:nvPr/>
+        </p:nvSpPr>
+        <p:spPr>
+          <a:xfrm>
+            <a:off x="10083566" y="2387890"/>
+            <a:ext cx="872455" cy="260059"/>
+          </a:xfrm>
+          <a:prstGeom prst="ellipse">
+            <a:avLst/>
+          </a:prstGeom>
+          <a:noFill/>
+          <a:ln>
+            <a:solidFill>
+              <a:srgbClr val="FF0000"/>
+            </a:solidFill>
+          </a:ln>
+        </p:spPr>
+        <p:style>
+          <a:lnRef idx="2">
+            <a:schemeClr val="accent1">
+              <a:shade val="50000"/>
+            </a:schemeClr>
+          </a:lnRef>
+          <a:fillRef idx="1">
+            <a:schemeClr val="accent1"/>
+          </a:fillRef>
+          <a:effectRef idx="0">
+            <a:schemeClr val="accent1"/>
+          </a:effectRef>
+          <a:fontRef idx="minor">
+            <a:schemeClr val="lt1"/>
+          </a:fontRef>
+        </p:style>
+        <p:txBody>
+          <a:bodyPr rtlCol="0" anchor="ctr"/>
+          <a:lstStyle/>
+          <a:p>
+            <a:pPr algn="ctr"/>
+            <a:endParaRPr lang="de-DE"/>
+          </a:p>
+        </p:txBody>
+      </p:sp>
+      <p:pic>
+        <p:nvPicPr>
+          <p:cNvPr id="14" name="Grafik 13">
+            <a:extLst>
+              <a:ext uri="{FF2B5EF4-FFF2-40B4-BE49-F238E27FC236}">
+                <a16:creationId xmlns:a16="http://schemas.microsoft.com/office/drawing/2014/main" id="{047BC266-CB0B-4D45-AECD-5503B685999F}"/>
+              </a:ext>
+            </a:extLst>
+          </p:cNvPr>
+          <p:cNvPicPr>
+            <a:picLocks noChangeAspect="1"/>
+          </p:cNvPicPr>
+          <p:nvPr/>
+        </p:nvPicPr>
+        <p:blipFill>
+          <a:blip r:embed="rId3"/>
+          <a:stretch>
+            <a:fillRect/>
+          </a:stretch>
+        </p:blipFill>
+        <p:spPr>
+          <a:xfrm>
+            <a:off x="6571896" y="4135772"/>
+            <a:ext cx="4165138" cy="2519000"/>
+          </a:xfrm>
+          <a:prstGeom prst="rect">
+            <a:avLst/>
+          </a:prstGeom>
+        </p:spPr>
+      </p:pic>
+      <p:sp>
+        <p:nvSpPr>
+          <p:cNvPr id="17" name="Ellipse 16">
+            <a:extLst>
+              <a:ext uri="{FF2B5EF4-FFF2-40B4-BE49-F238E27FC236}">
+                <a16:creationId xmlns:a16="http://schemas.microsoft.com/office/drawing/2014/main" id="{E0D178E7-842D-4A82-BFFB-05628ECA4DBB}"/>
+              </a:ext>
+            </a:extLst>
+          </p:cNvPr>
+          <p:cNvSpPr/>
+          <p:nvPr/>
+        </p:nvSpPr>
+        <p:spPr>
+          <a:xfrm>
+            <a:off x="9925574" y="5695478"/>
+            <a:ext cx="872455" cy="260059"/>
+          </a:xfrm>
+          <a:prstGeom prst="ellipse">
+            <a:avLst/>
+          </a:prstGeom>
+          <a:noFill/>
+          <a:ln>
+            <a:solidFill>
+              <a:srgbClr val="FF0000"/>
+            </a:solidFill>
+          </a:ln>
+        </p:spPr>
+        <p:style>
+          <a:lnRef idx="2">
+            <a:schemeClr val="accent1">
+              <a:shade val="50000"/>
+            </a:schemeClr>
+          </a:lnRef>
+          <a:fillRef idx="1">
+            <a:schemeClr val="accent1"/>
+          </a:fillRef>
+          <a:effectRef idx="0">
+            <a:schemeClr val="accent1"/>
+          </a:effectRef>
+          <a:fontRef idx="minor">
+            <a:schemeClr val="lt1"/>
+          </a:fontRef>
+        </p:style>
+        <p:txBody>
+          <a:bodyPr rtlCol="0" anchor="ctr"/>
+          <a:lstStyle/>
+          <a:p>
+            <a:pPr algn="ctr"/>
+            <a:endParaRPr lang="de-DE"/>
+          </a:p>
+        </p:txBody>
+      </p:sp>
+    </p:spTree>
+    <p:extLst>
+      <p:ext uri="{BB962C8B-B14F-4D97-AF65-F5344CB8AC3E}">
+        <p14:creationId xmlns:p14="http://schemas.microsoft.com/office/powerpoint/2010/main" val="2645019445"/>
+      </p:ext>
+    </p:extLst>
+  </p:cSld>
+  <p:clrMapOvr>
+    <a:overrideClrMapping bg1="dk1" tx1="lt1" bg2="dk2" tx2="lt2" accent1="accent1" accent2="accent2" accent3="accent3" accent4="accent4" accent5="accent5" accent6="accent6" hlink="hlink" folHlink="folHlink"/>
+  </p:clrMapOvr>
+</p:sld>
+</file>
+
+<file path=ppt/slides/slide4.xml><?xml version="1.0" encoding="utf-8"?>
+<p:sld xmlns:a="http://schemas.openxmlformats.org/drawingml/2006/main" xmlns:r="http://schemas.openxmlformats.org/officeDocument/2006/relationships" xmlns:p="http://schemas.openxmlformats.org/presentationml/2006/main">
+  <p:cSld>
+    <p:bg>
+      <p:bgPr>
+        <a:solidFill>
+          <a:schemeClr val="bg1"/>
+        </a:solidFill>
+        <a:effectLst/>
+      </p:bgPr>
+    </p:bg>
+    <p:spTree>
+      <p:nvGrpSpPr>
+        <p:cNvPr id="1" name=""/>
+        <p:cNvGrpSpPr/>
+        <p:nvPr/>
+      </p:nvGrpSpPr>
+      <p:grpSpPr>
+        <a:xfrm>
+          <a:off x="0" y="0"/>
+          <a:ext cx="0" cy="0"/>
+          <a:chOff x="0" y="0"/>
+          <a:chExt cx="0" cy="0"/>
+        </a:xfrm>
+      </p:grpSpPr>
+      <p:pic>
+        <p:nvPicPr>
+          <p:cNvPr id="5" name="Grafik 4">
+            <a:extLst>
+              <a:ext uri="{FF2B5EF4-FFF2-40B4-BE49-F238E27FC236}">
+                <a16:creationId xmlns:a16="http://schemas.microsoft.com/office/drawing/2014/main" id="{05C4E306-A383-418C-8EE2-2A8BDBDEAC6A}"/>
+              </a:ext>
+            </a:extLst>
+          </p:cNvPr>
+          <p:cNvPicPr>
+            <a:picLocks noChangeAspect="1"/>
+          </p:cNvPicPr>
+          <p:nvPr/>
+        </p:nvPicPr>
+        <p:blipFill rotWithShape="1">
+          <a:blip r:embed="rId2"/>
+          <a:srcRect r="19595" b="9090"/>
+          <a:stretch/>
+        </p:blipFill>
+        <p:spPr>
+          <a:xfrm>
+            <a:off x="-172935" y="-48639"/>
+            <a:ext cx="12364935" cy="6955277"/>
+          </a:xfrm>
+          <a:prstGeom prst="rect">
+            <a:avLst/>
+          </a:prstGeom>
+        </p:spPr>
+      </p:pic>
+      <p:sp>
+        <p:nvSpPr>
+          <p:cNvPr id="35" name="Rectangle 34">
+            <a:extLst>
+              <a:ext uri="{FF2B5EF4-FFF2-40B4-BE49-F238E27FC236}">
+                <a16:creationId xmlns:a16="http://schemas.microsoft.com/office/drawing/2014/main" id="{A9C8CC0B-0626-4A63-AC0A-FEE03D080759}"/>
+              </a:ext>
+              <a:ext uri="{C183D7F6-B498-43B3-948B-1728B52AA6E4}">
+                <adec:decorative xmlns:adec="http://schemas.microsoft.com/office/drawing/2017/decorative" val="1"/>
+              </a:ext>
+            </a:extLst>
+          </p:cNvPr>
+          <p:cNvSpPr>
+            <a:spLocks noGrp="1" noRot="1" noChangeAspect="1" noMove="1" noResize="1" noEditPoints="1" noAdjustHandles="1" noChangeArrowheads="1" noChangeShapeType="1" noTextEdit="1"/>
+          </p:cNvSpPr>
+          <p:nvPr>
+            <p:extLst>
+              <p:ext uri="{386F3935-93C4-4BCD-93E2-E3B085C9AB24}">
+                <p16:designElem xmlns:p16="http://schemas.microsoft.com/office/powerpoint/2015/main" val="1"/>
+              </p:ext>
+            </p:extLst>
+          </p:nvPr>
+        </p:nvSpPr>
+        <p:spPr>
+          <a:xfrm>
+            <a:off x="863601" y="0"/>
+            <a:ext cx="5232399" cy="5295899"/>
+          </a:xfrm>
+          <a:prstGeom prst="rect">
+            <a:avLst/>
+          </a:prstGeom>
+          <a:solidFill>
+            <a:schemeClr val="bg1">
+              <a:alpha val="80000"/>
+            </a:schemeClr>
+          </a:solidFill>
+          <a:ln>
+            <a:noFill/>
+          </a:ln>
+        </p:spPr>
+        <p:style>
+          <a:lnRef idx="1">
+            <a:schemeClr val="accent1"/>
+          </a:lnRef>
+          <a:fillRef idx="3">
+            <a:schemeClr val="accent1"/>
+          </a:fillRef>
+          <a:effectRef idx="2">
+            <a:schemeClr val="accent1"/>
+          </a:effectRef>
+          <a:fontRef idx="minor">
+            <a:schemeClr val="lt1"/>
+          </a:fontRef>
+        </p:style>
+        <p:txBody>
+          <a:bodyPr rtlCol="0" anchor="ctr"/>
+          <a:lstStyle/>
+          <a:p>
+            <a:pPr algn="ctr"/>
+            <a:endParaRPr lang="en-US">
+              <a:solidFill>
+                <a:schemeClr val="bg1"/>
+              </a:solidFill>
+            </a:endParaRPr>
+          </a:p>
+        </p:txBody>
+      </p:sp>
+      <p:sp>
+        <p:nvSpPr>
+          <p:cNvPr id="2" name="Titel 1">
+            <a:extLst>
+              <a:ext uri="{FF2B5EF4-FFF2-40B4-BE49-F238E27FC236}">
+                <a16:creationId xmlns:a16="http://schemas.microsoft.com/office/drawing/2014/main" id="{8EE4ED0E-184B-480E-A2B4-64EEB29540AE}"/>
+              </a:ext>
+            </a:extLst>
+          </p:cNvPr>
+          <p:cNvSpPr>
+            <a:spLocks noGrp="1"/>
+          </p:cNvSpPr>
+          <p:nvPr>
+            <p:ph type="title"/>
+          </p:nvPr>
+        </p:nvSpPr>
+        <p:spPr>
+          <a:xfrm>
+            <a:off x="1339497" y="484632"/>
+            <a:ext cx="4275777" cy="3762970"/>
+          </a:xfrm>
+        </p:spPr>
+        <p:txBody>
+          <a:bodyPr vert="horz" lIns="91440" tIns="45720" rIns="91440" bIns="45720" rtlCol="0" anchor="b">
+            <a:normAutofit/>
+          </a:bodyPr>
+          <a:lstStyle/>
+          <a:p>
+            <a:r>
+              <a:rPr lang="en-US" sz="4800"/>
+              <a:t>Microarrays</a:t>
+            </a:r>
+          </a:p>
+        </p:txBody>
+      </p:sp>
+      <p:sp>
+        <p:nvSpPr>
+          <p:cNvPr id="37" name="Rectangle 36">
+            <a:extLst>
+              <a:ext uri="{FF2B5EF4-FFF2-40B4-BE49-F238E27FC236}">
+                <a16:creationId xmlns:a16="http://schemas.microsoft.com/office/drawing/2014/main" id="{B518FCF3-6204-44FD-9EDA-977C07F6CF75}"/>
+              </a:ext>
+              <a:ext uri="{C183D7F6-B498-43B3-948B-1728B52AA6E4}">
+                <adec:decorative xmlns:adec="http://schemas.microsoft.com/office/drawing/2017/decorative" val="1"/>
+              </a:ext>
+            </a:extLst>
+          </p:cNvPr>
+          <p:cNvSpPr>
+            <a:spLocks noGrp="1" noRot="1" noChangeAspect="1" noMove="1" noResize="1" noEditPoints="1" noAdjustHandles="1" noChangeArrowheads="1" noChangeShapeType="1" noTextEdit="1"/>
+          </p:cNvSpPr>
+          <p:nvPr>
+            <p:extLst>
+              <p:ext uri="{386F3935-93C4-4BCD-93E2-E3B085C9AB24}">
+                <p16:designElem xmlns:p16="http://schemas.microsoft.com/office/powerpoint/2015/main" val="1"/>
+              </p:ext>
+            </p:extLst>
+          </p:nvPr>
+        </p:nvSpPr>
+        <p:spPr>
+          <a:xfrm>
+            <a:off x="1394789" y="4410188"/>
+            <a:ext cx="1267136" cy="165099"/>
+          </a:xfrm>
+          <a:prstGeom prst="rect">
+            <a:avLst/>
+          </a:prstGeom>
+          <a:solidFill>
+            <a:srgbClr val="4E00FF"/>
+          </a:solidFill>
+          <a:ln>
+            <a:noFill/>
+          </a:ln>
+        </p:spPr>
+        <p:style>
+          <a:lnRef idx="1">
+            <a:schemeClr val="accent1"/>
+          </a:lnRef>
+          <a:fillRef idx="3">
+            <a:schemeClr val="accent1"/>
+          </a:fillRef>
+          <a:effectRef idx="2">
+            <a:schemeClr val="accent1"/>
+          </a:effectRef>
+          <a:fontRef idx="minor">
+            <a:schemeClr val="lt1"/>
+          </a:fontRef>
+        </p:style>
+        <p:txBody>
+          <a:bodyPr rtlCol="0" anchor="ctr"/>
+          <a:lstStyle/>
+          <a:p>
+            <a:pPr algn="ctr"/>
+            <a:endParaRPr lang="en-US">
+              <a:solidFill>
+                <a:schemeClr val="bg1"/>
+              </a:solidFill>
+            </a:endParaRPr>
+          </a:p>
+        </p:txBody>
+      </p:sp>
     </p:spTree>
     <p:extLst>
       <p:ext uri="{BB962C8B-B14F-4D97-AF65-F5344CB8AC3E}">
@@ -4177,7 +5604,7 @@
 </p:sld>
 </file>
 
-<file path=ppt/slides/slide3.xml><?xml version="1.0" encoding="utf-8"?>
+<file path=ppt/slides/slide5.xml><?xml version="1.0" encoding="utf-8"?>
 <p:sld xmlns:a="http://schemas.openxmlformats.org/drawingml/2006/main" xmlns:r="http://schemas.openxmlformats.org/officeDocument/2006/relationships" xmlns:p="http://schemas.openxmlformats.org/presentationml/2006/main">
   <p:cSld>
     <p:bg>
@@ -4993,7 +6420,7 @@
 </p:sld>
 </file>
 
-<file path=ppt/slides/slide4.xml><?xml version="1.0" encoding="utf-8"?>
+<file path=ppt/slides/slide6.xml><?xml version="1.0" encoding="utf-8"?>
 <p:sld xmlns:a="http://schemas.openxmlformats.org/drawingml/2006/main" xmlns:r="http://schemas.openxmlformats.org/officeDocument/2006/relationships" xmlns:p="http://schemas.openxmlformats.org/presentationml/2006/main">
   <p:cSld>
     <p:bg>
@@ -5736,7 +7163,7 @@
 </p:sld>
 </file>
 
-<file path=ppt/slides/slide5.xml><?xml version="1.0" encoding="utf-8"?>
+<file path=ppt/slides/slide7.xml><?xml version="1.0" encoding="utf-8"?>
 <p:sld xmlns:a="http://schemas.openxmlformats.org/drawingml/2006/main" xmlns:r="http://schemas.openxmlformats.org/officeDocument/2006/relationships" xmlns:p="http://schemas.openxmlformats.org/presentationml/2006/main">
   <p:cSld>
     <p:bg>
@@ -6281,6 +7708,352 @@
       </p:par>
     </p:tnLst>
   </p:timing>
+</p:sld>
+</file>
+
+<file path=ppt/slides/slide8.xml><?xml version="1.0" encoding="utf-8"?>
+<p:sld xmlns:a="http://schemas.openxmlformats.org/drawingml/2006/main" xmlns:r="http://schemas.openxmlformats.org/officeDocument/2006/relationships" xmlns:p="http://schemas.openxmlformats.org/presentationml/2006/main">
+  <p:cSld>
+    <p:spTree>
+      <p:nvGrpSpPr>
+        <p:cNvPr id="1" name=""/>
+        <p:cNvGrpSpPr/>
+        <p:nvPr/>
+      </p:nvGrpSpPr>
+      <p:grpSpPr>
+        <a:xfrm>
+          <a:off x="0" y="0"/>
+          <a:ext cx="0" cy="0"/>
+          <a:chOff x="0" y="0"/>
+          <a:chExt cx="0" cy="0"/>
+        </a:xfrm>
+      </p:grpSpPr>
+      <p:sp>
+        <p:nvSpPr>
+          <p:cNvPr id="2" name="Titel 1">
+            <a:extLst>
+              <a:ext uri="{FF2B5EF4-FFF2-40B4-BE49-F238E27FC236}">
+                <a16:creationId xmlns:a16="http://schemas.microsoft.com/office/drawing/2014/main" id="{C47FC014-E04C-48ED-AD9B-DE75958CE776}"/>
+              </a:ext>
+            </a:extLst>
+          </p:cNvPr>
+          <p:cNvSpPr>
+            <a:spLocks noGrp="1"/>
+          </p:cNvSpPr>
+          <p:nvPr>
+            <p:ph type="title"/>
+          </p:nvPr>
+        </p:nvSpPr>
+        <p:spPr/>
+        <p:txBody>
+          <a:bodyPr/>
+          <a:lstStyle/>
+          <a:p>
+            <a:r>
+              <a:rPr lang="de-DE" dirty="0"/>
+              <a:t>Quellen</a:t>
+            </a:r>
+            <a:endParaRPr lang="en-US" dirty="0"/>
+          </a:p>
+        </p:txBody>
+      </p:sp>
+      <p:sp>
+        <p:nvSpPr>
+          <p:cNvPr id="3" name="Inhaltsplatzhalter 2">
+            <a:extLst>
+              <a:ext uri="{FF2B5EF4-FFF2-40B4-BE49-F238E27FC236}">
+                <a16:creationId xmlns:a16="http://schemas.microsoft.com/office/drawing/2014/main" id="{748D13AA-11AB-4329-9A3E-8F1A790D2EB9}"/>
+              </a:ext>
+            </a:extLst>
+          </p:cNvPr>
+          <p:cNvSpPr>
+            <a:spLocks noGrp="1"/>
+          </p:cNvSpPr>
+          <p:nvPr>
+            <p:ph idx="1"/>
+          </p:nvPr>
+        </p:nvSpPr>
+        <p:spPr/>
+        <p:txBody>
+          <a:bodyPr/>
+          <a:lstStyle/>
+          <a:p>
+            <a:pPr marL="0" indent="0">
+              <a:buNone/>
+            </a:pPr>
+            <a:r>
+              <a:rPr lang="de-DE" sz="1100" dirty="0"/>
+              <a:t>Folie 1:</a:t>
+            </a:r>
+          </a:p>
+          <a:p>
+            <a:pPr marL="0" indent="0">
+              <a:buNone/>
+            </a:pPr>
+            <a:r>
+              <a:rPr lang="de-DE" sz="1100" dirty="0"/>
+              <a:t>A. </a:t>
+            </a:r>
+            <a:r>
+              <a:rPr lang="de-DE" sz="1100" dirty="0" err="1"/>
+              <a:t>Carrato</a:t>
+            </a:r>
+            <a:r>
+              <a:rPr lang="de-DE" sz="1100" dirty="0"/>
+              <a:t> et al., A </a:t>
+            </a:r>
+            <a:r>
+              <a:rPr lang="de-DE" sz="1100" dirty="0" err="1"/>
+              <a:t>Systematic</a:t>
+            </a:r>
+            <a:r>
+              <a:rPr lang="de-DE" sz="1100" dirty="0"/>
+              <a:t> Review </a:t>
+            </a:r>
+            <a:r>
+              <a:rPr lang="de-DE" sz="1100" dirty="0" err="1"/>
+              <a:t>of</a:t>
+            </a:r>
+            <a:r>
+              <a:rPr lang="de-DE" sz="1100" dirty="0"/>
+              <a:t> </a:t>
+            </a:r>
+            <a:r>
+              <a:rPr lang="de-DE" sz="1100" dirty="0" err="1"/>
+              <a:t>the</a:t>
+            </a:r>
+            <a:r>
+              <a:rPr lang="de-DE" sz="1100" dirty="0"/>
+              <a:t> </a:t>
+            </a:r>
+            <a:r>
+              <a:rPr lang="de-DE" sz="1100" dirty="0" err="1"/>
+              <a:t>Burden</a:t>
+            </a:r>
+            <a:r>
+              <a:rPr lang="de-DE" sz="1100" dirty="0"/>
+              <a:t> </a:t>
+            </a:r>
+            <a:r>
+              <a:rPr lang="de-DE" sz="1100" dirty="0" err="1"/>
+              <a:t>of</a:t>
+            </a:r>
+            <a:r>
+              <a:rPr lang="de-DE" sz="1100" dirty="0"/>
+              <a:t> </a:t>
+            </a:r>
+            <a:r>
+              <a:rPr lang="de-DE" sz="1100" dirty="0" err="1"/>
+              <a:t>Pancreatic</a:t>
+            </a:r>
+            <a:r>
+              <a:rPr lang="de-DE" sz="1100" dirty="0"/>
+              <a:t> Cancer in Europe: Real-World Impact on Survival, Quality </a:t>
+            </a:r>
+            <a:r>
+              <a:rPr lang="de-DE" sz="1100" dirty="0" err="1"/>
+              <a:t>of</a:t>
+            </a:r>
+            <a:r>
+              <a:rPr lang="de-DE" sz="1100" dirty="0"/>
+              <a:t> Life and Costs, </a:t>
+            </a:r>
+            <a:r>
+              <a:rPr lang="fr-FR" sz="1100" dirty="0"/>
+              <a:t>J </a:t>
+            </a:r>
+            <a:r>
+              <a:rPr lang="fr-FR" sz="1100" dirty="0" err="1"/>
+              <a:t>Gastrointest</a:t>
+            </a:r>
+            <a:r>
+              <a:rPr lang="fr-FR" sz="1100" dirty="0"/>
+              <a:t> Cancer. 2015; 46(3): 201–211</a:t>
+            </a:r>
+            <a:endParaRPr lang="de-DE" sz="1100" dirty="0"/>
+          </a:p>
+          <a:p>
+            <a:pPr marL="0" indent="0">
+              <a:buNone/>
+            </a:pPr>
+            <a:r>
+              <a:rPr lang="en-US" sz="1100" dirty="0" err="1"/>
+              <a:t>Rahib</a:t>
+            </a:r>
+            <a:r>
+              <a:rPr lang="en-US" sz="1100" dirty="0"/>
+              <a:t>, L. et al. Projecting cancer incidence and deaths to 2030: the unexpected burden of thyroid, liver, and pancreas cancers in the United States. Cancer Res. 74, 2913–2921 (2014).</a:t>
+            </a:r>
+          </a:p>
+          <a:p>
+            <a:pPr marL="0" indent="0">
+              <a:buNone/>
+            </a:pPr>
+            <a:r>
+              <a:rPr lang="en-US" sz="1100" dirty="0"/>
+              <a:t>Siegel, R. L., Miller, K. D. &amp; Jemal, A. Cancer statistics, 2015. CA Cancer J. Clin. 65, 5–29 (2015).</a:t>
+            </a:r>
+          </a:p>
+          <a:p>
+            <a:pPr marL="0" indent="0">
+              <a:buNone/>
+            </a:pPr>
+            <a:r>
+              <a:rPr lang="en-US" sz="1100" dirty="0"/>
+              <a:t>He, J. et al. 2564 resected periampullary adenocarcinomas at a single institution: trends over three decades. HPB (Oxford) 16, 83–90 (2014).</a:t>
+            </a:r>
+            <a:endParaRPr lang="de-DE" sz="1100" dirty="0"/>
+          </a:p>
+          <a:p>
+            <a:pPr marL="0" indent="0">
+              <a:buNone/>
+            </a:pPr>
+            <a:r>
+              <a:rPr lang="de-DE" sz="1100" dirty="0"/>
+              <a:t>Folie 2:</a:t>
+            </a:r>
+          </a:p>
+          <a:p>
+            <a:pPr marL="0" indent="0">
+              <a:buNone/>
+            </a:pPr>
+            <a:r>
+              <a:rPr lang="de-DE" sz="1100" dirty="0"/>
+              <a:t>Hong SK. </a:t>
+            </a:r>
+            <a:r>
+              <a:rPr lang="de-DE" sz="1100" dirty="0" err="1"/>
+              <a:t>Kallikreins</a:t>
+            </a:r>
+            <a:r>
+              <a:rPr lang="de-DE" sz="1100" dirty="0"/>
+              <a:t> </a:t>
+            </a:r>
+            <a:r>
+              <a:rPr lang="de-DE" sz="1100" dirty="0" err="1"/>
+              <a:t>as</a:t>
+            </a:r>
+            <a:r>
+              <a:rPr lang="de-DE" sz="1100" dirty="0"/>
+              <a:t> </a:t>
+            </a:r>
+            <a:r>
+              <a:rPr lang="de-DE" sz="1100" dirty="0" err="1"/>
+              <a:t>biomarkers</a:t>
+            </a:r>
+            <a:r>
+              <a:rPr lang="de-DE" sz="1100" dirty="0"/>
+              <a:t> </a:t>
+            </a:r>
+            <a:r>
+              <a:rPr lang="de-DE" sz="1100" dirty="0" err="1"/>
+              <a:t>for</a:t>
+            </a:r>
+            <a:r>
+              <a:rPr lang="de-DE" sz="1100" dirty="0"/>
+              <a:t> </a:t>
+            </a:r>
+            <a:r>
+              <a:rPr lang="de-DE" sz="1100" dirty="0" err="1"/>
+              <a:t>prostate</a:t>
+            </a:r>
+            <a:r>
+              <a:rPr lang="de-DE" sz="1100" dirty="0"/>
+              <a:t> </a:t>
+            </a:r>
+            <a:r>
+              <a:rPr lang="de-DE" sz="1100" dirty="0" err="1"/>
+              <a:t>cancer</a:t>
+            </a:r>
+            <a:r>
+              <a:rPr lang="de-DE" sz="1100" dirty="0"/>
+              <a:t>. Biomed Res Int. 2014;2014:526341</a:t>
+            </a:r>
+            <a:r>
+              <a:rPr lang="en-US" sz="1100" dirty="0"/>
+              <a:t>Mahmoud AM. Cancer testis antigens as immunogenic and oncogenic targets in breast cancer. Immunotherapy. 2018;10(9):769-778.</a:t>
+            </a:r>
+          </a:p>
+          <a:p>
+            <a:pPr marL="0" indent="0">
+              <a:buNone/>
+            </a:pPr>
+            <a:r>
+              <a:rPr lang="en-US" sz="1100" dirty="0" err="1"/>
+              <a:t>Koppe</a:t>
+            </a:r>
+            <a:r>
+              <a:rPr lang="en-US" sz="1100" dirty="0"/>
+              <a:t> MJ, </a:t>
+            </a:r>
+            <a:r>
+              <a:rPr lang="en-US" sz="1100" dirty="0" err="1"/>
+              <a:t>Postema</a:t>
+            </a:r>
+            <a:r>
+              <a:rPr lang="en-US" sz="1100" dirty="0"/>
+              <a:t> EJ, </a:t>
+            </a:r>
+            <a:r>
+              <a:rPr lang="en-US" sz="1100" dirty="0" err="1"/>
+              <a:t>Aarts</a:t>
+            </a:r>
+            <a:r>
+              <a:rPr lang="en-US" sz="1100" dirty="0"/>
+              <a:t> F, Oyen WJ, </a:t>
+            </a:r>
+            <a:r>
+              <a:rPr lang="en-US" sz="1100" dirty="0" err="1"/>
+              <a:t>Bleichrodt</a:t>
+            </a:r>
+            <a:r>
+              <a:rPr lang="en-US" sz="1100" dirty="0"/>
+              <a:t> RP, </a:t>
+            </a:r>
+            <a:r>
+              <a:rPr lang="en-US" sz="1100" dirty="0" err="1"/>
+              <a:t>Boerman</a:t>
+            </a:r>
+            <a:r>
+              <a:rPr lang="en-US" sz="1100" dirty="0"/>
+              <a:t> OC. Antibody-guided radiation therapy of cancer. Cancer Metastasis Rev. 2005 Dec;24(4):539-67.</a:t>
+            </a:r>
+          </a:p>
+          <a:p>
+            <a:pPr marL="0" indent="0">
+              <a:buNone/>
+            </a:pPr>
+            <a:r>
+              <a:rPr lang="en-US" sz="1100" dirty="0"/>
+              <a:t>Kahl B. Chemotherapy combinations with monoclonal antibodies in non-Hodgkin's lymphoma. Semin </a:t>
+            </a:r>
+            <a:r>
+              <a:rPr lang="en-US" sz="1100" dirty="0" err="1"/>
+              <a:t>Hematol</a:t>
+            </a:r>
+            <a:r>
+              <a:rPr lang="en-US" sz="1100" dirty="0"/>
+              <a:t>. 2008 Apr;45(2):90-4</a:t>
+            </a:r>
+          </a:p>
+          <a:p>
+            <a:pPr marL="0" indent="0">
+              <a:buNone/>
+            </a:pPr>
+            <a:endParaRPr lang="en-US" dirty="0"/>
+          </a:p>
+        </p:txBody>
+      </p:sp>
+    </p:spTree>
+    <p:extLst>
+      <p:ext uri="{BB962C8B-B14F-4D97-AF65-F5344CB8AC3E}">
+        <p14:creationId xmlns:p14="http://schemas.microsoft.com/office/powerpoint/2010/main" val="1134921922"/>
+      </p:ext>
+    </p:extLst>
+  </p:cSld>
+  <p:clrMapOvr>
+    <a:masterClrMapping/>
+  </p:clrMapOvr>
 </p:sld>
 </file>
 
